--- a/Presentations/ML Tensorflow Intro.pptx
+++ b/Presentations/ML Tensorflow Intro.pptx
@@ -307,7 +307,7 @@
             <a:fld id="{1D8BD707-D9CF-40AE-B4C6-C98DA3205C09}" type="datetimeFigureOut">
               <a:rPr lang="en-US" smtClean="0"/>
               <a:pPr/>
-              <a:t>6/2/2017</a:t>
+              <a:t>6/3/2017</a:t>
             </a:fld>
             <a:endParaRPr lang="en-US"/>
           </a:p>
@@ -474,7 +474,7 @@
             <a:fld id="{1D8BD707-D9CF-40AE-B4C6-C98DA3205C09}" type="datetimeFigureOut">
               <a:rPr lang="en-US" smtClean="0"/>
               <a:pPr/>
-              <a:t>6/2/2017</a:t>
+              <a:t>6/3/2017</a:t>
             </a:fld>
             <a:endParaRPr lang="en-US"/>
           </a:p>
@@ -651,7 +651,7 @@
             <a:fld id="{1D8BD707-D9CF-40AE-B4C6-C98DA3205C09}" type="datetimeFigureOut">
               <a:rPr lang="en-US" smtClean="0"/>
               <a:pPr/>
-              <a:t>6/2/2017</a:t>
+              <a:t>6/3/2017</a:t>
             </a:fld>
             <a:endParaRPr lang="en-US"/>
           </a:p>
@@ -818,7 +818,7 @@
             <a:fld id="{1D8BD707-D9CF-40AE-B4C6-C98DA3205C09}" type="datetimeFigureOut">
               <a:rPr lang="en-US" smtClean="0"/>
               <a:pPr/>
-              <a:t>6/2/2017</a:t>
+              <a:t>6/3/2017</a:t>
             </a:fld>
             <a:endParaRPr lang="en-US"/>
           </a:p>
@@ -1061,7 +1061,7 @@
             <a:fld id="{1D8BD707-D9CF-40AE-B4C6-C98DA3205C09}" type="datetimeFigureOut">
               <a:rPr lang="en-US" smtClean="0"/>
               <a:pPr/>
-              <a:t>6/2/2017</a:t>
+              <a:t>6/3/2017</a:t>
             </a:fld>
             <a:endParaRPr lang="en-US"/>
           </a:p>
@@ -1346,7 +1346,7 @@
             <a:fld id="{1D8BD707-D9CF-40AE-B4C6-C98DA3205C09}" type="datetimeFigureOut">
               <a:rPr lang="en-US" smtClean="0"/>
               <a:pPr/>
-              <a:t>6/2/2017</a:t>
+              <a:t>6/3/2017</a:t>
             </a:fld>
             <a:endParaRPr lang="en-US"/>
           </a:p>
@@ -1765,7 +1765,7 @@
             <a:fld id="{1D8BD707-D9CF-40AE-B4C6-C98DA3205C09}" type="datetimeFigureOut">
               <a:rPr lang="en-US" smtClean="0"/>
               <a:pPr/>
-              <a:t>6/2/2017</a:t>
+              <a:t>6/3/2017</a:t>
             </a:fld>
             <a:endParaRPr lang="en-US"/>
           </a:p>
@@ -1880,7 +1880,7 @@
             <a:fld id="{1D8BD707-D9CF-40AE-B4C6-C98DA3205C09}" type="datetimeFigureOut">
               <a:rPr lang="en-US" smtClean="0"/>
               <a:pPr/>
-              <a:t>6/2/2017</a:t>
+              <a:t>6/3/2017</a:t>
             </a:fld>
             <a:endParaRPr lang="en-US"/>
           </a:p>
@@ -1972,7 +1972,7 @@
             <a:fld id="{1D8BD707-D9CF-40AE-B4C6-C98DA3205C09}" type="datetimeFigureOut">
               <a:rPr lang="en-US" smtClean="0"/>
               <a:pPr/>
-              <a:t>6/2/2017</a:t>
+              <a:t>6/3/2017</a:t>
             </a:fld>
             <a:endParaRPr lang="en-US"/>
           </a:p>
@@ -2246,7 +2246,7 @@
             <a:fld id="{1D8BD707-D9CF-40AE-B4C6-C98DA3205C09}" type="datetimeFigureOut">
               <a:rPr lang="en-US" smtClean="0"/>
               <a:pPr/>
-              <a:t>6/2/2017</a:t>
+              <a:t>6/3/2017</a:t>
             </a:fld>
             <a:endParaRPr lang="en-US"/>
           </a:p>
@@ -2496,7 +2496,7 @@
             <a:fld id="{1D8BD707-D9CF-40AE-B4C6-C98DA3205C09}" type="datetimeFigureOut">
               <a:rPr lang="en-US" smtClean="0"/>
               <a:pPr/>
-              <a:t>6/2/2017</a:t>
+              <a:t>6/3/2017</a:t>
             </a:fld>
             <a:endParaRPr lang="en-US"/>
           </a:p>
@@ -2706,7 +2706,7 @@
             <a:fld id="{1D8BD707-D9CF-40AE-B4C6-C98DA3205C09}" type="datetimeFigureOut">
               <a:rPr lang="en-US" smtClean="0"/>
               <a:pPr/>
-              <a:t>6/2/2017</a:t>
+              <a:t>6/3/2017</a:t>
             </a:fld>
             <a:endParaRPr lang="en-US"/>
           </a:p>
@@ -3167,27 +3167,7 @@
                   </a:schemeClr>
                 </a:solidFill>
               </a:rPr>
-              <a:t>Portland </a:t>
-            </a:r>
-            <a:r>
-              <a:rPr lang="en-US" sz="2400" dirty="0" smtClean="0">
-                <a:solidFill>
-                  <a:schemeClr val="accent1">
-                    <a:lumMod val="75000"/>
-                  </a:schemeClr>
-                </a:solidFill>
-              </a:rPr>
-              <a:t>Data Science </a:t>
-            </a:r>
-            <a:r>
-              <a:rPr lang="en-US" sz="2400" dirty="0" smtClean="0">
-                <a:solidFill>
-                  <a:schemeClr val="accent1">
-                    <a:lumMod val="75000"/>
-                  </a:schemeClr>
-                </a:solidFill>
-              </a:rPr>
-              <a:t>Group, </a:t>
+              <a:t>Portland Data Science Group, </a:t>
             </a:r>
             <a:br>
               <a:rPr lang="en-US" sz="2400" dirty="0" smtClean="0">
@@ -3217,11 +3197,7 @@
             </a:br>
             <a:r>
               <a:rPr lang="en-US" sz="1800" dirty="0" smtClean="0"/>
-              <a:t>June, </a:t>
-            </a:r>
-            <a:r>
-              <a:rPr lang="en-US" sz="1800" dirty="0" smtClean="0"/>
-              <a:t>2017</a:t>
+              <a:t>June, 2017</a:t>
             </a:r>
             <a:endParaRPr lang="en-US" sz="1800" dirty="0"/>
           </a:p>
@@ -4079,7 +4055,37 @@
                 <a:ea typeface="Verdana" panose="020B0604030504040204" pitchFamily="34" charset="0"/>
                 <a:cs typeface="Verdana" panose="020B0604030504040204" pitchFamily="34" charset="0"/>
               </a:rPr>
-              <a:t># execute the graph</a:t>
+              <a:t># </a:t>
+            </a:r>
+            <a:r>
+              <a:rPr kumimoji="0" lang="en-US" altLang="en-US" sz="1400" b="1" i="0" u="none" strike="noStrike" cap="none" normalizeH="0" dirty="0" smtClean="0">
+                <a:ln>
+                  <a:noFill/>
+                </a:ln>
+                <a:solidFill>
+                  <a:srgbClr val="00B050"/>
+                </a:solidFill>
+                <a:effectLst/>
+                <a:latin typeface="Verdana" panose="020B0604030504040204" pitchFamily="34" charset="0"/>
+                <a:ea typeface="Verdana" panose="020B0604030504040204" pitchFamily="34" charset="0"/>
+                <a:cs typeface="Verdana" panose="020B0604030504040204" pitchFamily="34" charset="0"/>
+              </a:rPr>
+              <a:t>run </a:t>
+            </a:r>
+            <a:r>
+              <a:rPr kumimoji="0" lang="en-US" altLang="en-US" sz="1400" b="1" i="0" u="none" strike="noStrike" cap="none" normalizeH="0" dirty="0" smtClean="0">
+                <a:ln>
+                  <a:noFill/>
+                </a:ln>
+                <a:solidFill>
+                  <a:srgbClr val="00B050"/>
+                </a:solidFill>
+                <a:effectLst/>
+                <a:latin typeface="Verdana" panose="020B0604030504040204" pitchFamily="34" charset="0"/>
+                <a:ea typeface="Verdana" panose="020B0604030504040204" pitchFamily="34" charset="0"/>
+                <a:cs typeface="Verdana" panose="020B0604030504040204" pitchFamily="34" charset="0"/>
+              </a:rPr>
+              <a:t>the graph</a:t>
             </a:r>
             <a:endParaRPr kumimoji="0" lang="en-US" altLang="en-US" sz="1400" b="1" i="0" u="none" strike="noStrike" cap="none" normalizeH="0" baseline="0" dirty="0" smtClean="0">
               <a:ln>
@@ -5279,7 +5285,37 @@
                 <a:ea typeface="Verdana" panose="020B0604030504040204" pitchFamily="34" charset="0"/>
                 <a:cs typeface="Verdana" panose="020B0604030504040204" pitchFamily="34" charset="0"/>
               </a:rPr>
-              <a:t># execute the graph</a:t>
+              <a:t># </a:t>
+            </a:r>
+            <a:r>
+              <a:rPr kumimoji="0" lang="en-US" altLang="en-US" sz="1400" b="1" i="0" u="none" strike="noStrike" cap="none" normalizeH="0" dirty="0" smtClean="0">
+                <a:ln>
+                  <a:noFill/>
+                </a:ln>
+                <a:solidFill>
+                  <a:srgbClr val="00B050"/>
+                </a:solidFill>
+                <a:effectLst/>
+                <a:latin typeface="Verdana" panose="020B0604030504040204" pitchFamily="34" charset="0"/>
+                <a:ea typeface="Verdana" panose="020B0604030504040204" pitchFamily="34" charset="0"/>
+                <a:cs typeface="Verdana" panose="020B0604030504040204" pitchFamily="34" charset="0"/>
+              </a:rPr>
+              <a:t>run </a:t>
+            </a:r>
+            <a:r>
+              <a:rPr kumimoji="0" lang="en-US" altLang="en-US" sz="1400" b="1" i="0" u="none" strike="noStrike" cap="none" normalizeH="0" dirty="0" smtClean="0">
+                <a:ln>
+                  <a:noFill/>
+                </a:ln>
+                <a:solidFill>
+                  <a:srgbClr val="00B050"/>
+                </a:solidFill>
+                <a:effectLst/>
+                <a:latin typeface="Verdana" panose="020B0604030504040204" pitchFamily="34" charset="0"/>
+                <a:ea typeface="Verdana" panose="020B0604030504040204" pitchFamily="34" charset="0"/>
+                <a:cs typeface="Verdana" panose="020B0604030504040204" pitchFamily="34" charset="0"/>
+              </a:rPr>
+              <a:t>the graph</a:t>
             </a:r>
             <a:endParaRPr kumimoji="0" lang="en-US" altLang="en-US" sz="1400" b="1" i="0" u="none" strike="noStrike" cap="none" normalizeH="0" baseline="0" dirty="0" smtClean="0">
               <a:ln>
@@ -6681,7 +6717,37 @@
                 <a:ea typeface="Verdana" panose="020B0604030504040204" pitchFamily="34" charset="0"/>
                 <a:cs typeface="Verdana" panose="020B0604030504040204" pitchFamily="34" charset="0"/>
               </a:rPr>
-              <a:t># execute the graph</a:t>
+              <a:t># </a:t>
+            </a:r>
+            <a:r>
+              <a:rPr kumimoji="0" lang="en-US" altLang="en-US" sz="1400" b="1" i="0" u="none" strike="noStrike" cap="none" normalizeH="0" dirty="0" smtClean="0">
+                <a:ln>
+                  <a:noFill/>
+                </a:ln>
+                <a:solidFill>
+                  <a:srgbClr val="00B050"/>
+                </a:solidFill>
+                <a:effectLst/>
+                <a:latin typeface="Verdana" panose="020B0604030504040204" pitchFamily="34" charset="0"/>
+                <a:ea typeface="Verdana" panose="020B0604030504040204" pitchFamily="34" charset="0"/>
+                <a:cs typeface="Verdana" panose="020B0604030504040204" pitchFamily="34" charset="0"/>
+              </a:rPr>
+              <a:t>run </a:t>
+            </a:r>
+            <a:r>
+              <a:rPr kumimoji="0" lang="en-US" altLang="en-US" sz="1400" b="1" i="0" u="none" strike="noStrike" cap="none" normalizeH="0" dirty="0" smtClean="0">
+                <a:ln>
+                  <a:noFill/>
+                </a:ln>
+                <a:solidFill>
+                  <a:srgbClr val="00B050"/>
+                </a:solidFill>
+                <a:effectLst/>
+                <a:latin typeface="Verdana" panose="020B0604030504040204" pitchFamily="34" charset="0"/>
+                <a:ea typeface="Verdana" panose="020B0604030504040204" pitchFamily="34" charset="0"/>
+                <a:cs typeface="Verdana" panose="020B0604030504040204" pitchFamily="34" charset="0"/>
+              </a:rPr>
+              <a:t>the graph</a:t>
             </a:r>
             <a:endParaRPr kumimoji="0" lang="en-US" altLang="en-US" sz="1400" b="1" i="0" u="none" strike="noStrike" cap="none" normalizeH="0" baseline="0" dirty="0" smtClean="0">
               <a:ln>
@@ -6901,7 +6967,7 @@
         <p:spPr>
           <a:xfrm>
             <a:off x="4497746" y="3163668"/>
-            <a:ext cx="2991716" cy="338554"/>
+            <a:ext cx="3482428" cy="338554"/>
           </a:xfrm>
           <a:prstGeom prst="rect">
             <a:avLst/>
@@ -6916,7 +6982,11 @@
           <a:p>
             <a:r>
               <a:rPr lang="en-US" sz="1600" dirty="0" smtClean="0"/>
-              <a:t>Bound an array instead of a scalar</a:t>
+              <a:t>Bound an array instead of a </a:t>
+            </a:r>
+            <a:r>
+              <a:rPr lang="en-US" sz="1600" dirty="0" smtClean="0"/>
+              <a:t>scalar value</a:t>
             </a:r>
             <a:endParaRPr lang="en-US" sz="1600" dirty="0"/>
           </a:p>
@@ -6932,8 +7002,8 @@
         </p:nvCxnSpPr>
         <p:spPr>
           <a:xfrm rot="10800000" flipV="1">
-            <a:off x="3352802" y="3332945"/>
-            <a:ext cx="1144945" cy="1396662"/>
+            <a:off x="3352814" y="3332945"/>
+            <a:ext cx="1144933" cy="1396662"/>
           </a:xfrm>
           <a:prstGeom prst="curvedConnector2">
             <a:avLst/>
@@ -9010,7 +9080,37 @@
                 <a:ea typeface="Verdana" panose="020B0604030504040204" pitchFamily="34" charset="0"/>
                 <a:cs typeface="Verdana" panose="020B0604030504040204" pitchFamily="34" charset="0"/>
               </a:rPr>
-              <a:t># execute the graph</a:t>
+              <a:t># </a:t>
+            </a:r>
+            <a:r>
+              <a:rPr kumimoji="0" lang="en-US" altLang="en-US" sz="1400" b="1" i="0" u="none" strike="noStrike" cap="none" normalizeH="0" dirty="0" smtClean="0">
+                <a:ln>
+                  <a:noFill/>
+                </a:ln>
+                <a:solidFill>
+                  <a:srgbClr val="00B050"/>
+                </a:solidFill>
+                <a:effectLst/>
+                <a:latin typeface="Verdana" panose="020B0604030504040204" pitchFamily="34" charset="0"/>
+                <a:ea typeface="Verdana" panose="020B0604030504040204" pitchFamily="34" charset="0"/>
+                <a:cs typeface="Verdana" panose="020B0604030504040204" pitchFamily="34" charset="0"/>
+              </a:rPr>
+              <a:t>run </a:t>
+            </a:r>
+            <a:r>
+              <a:rPr kumimoji="0" lang="en-US" altLang="en-US" sz="1400" b="1" i="0" u="none" strike="noStrike" cap="none" normalizeH="0" dirty="0" smtClean="0">
+                <a:ln>
+                  <a:noFill/>
+                </a:ln>
+                <a:solidFill>
+                  <a:srgbClr val="00B050"/>
+                </a:solidFill>
+                <a:effectLst/>
+                <a:latin typeface="Verdana" panose="020B0604030504040204" pitchFamily="34" charset="0"/>
+                <a:ea typeface="Verdana" panose="020B0604030504040204" pitchFamily="34" charset="0"/>
+                <a:cs typeface="Verdana" panose="020B0604030504040204" pitchFamily="34" charset="0"/>
+              </a:rPr>
+              <a:t>the graph</a:t>
             </a:r>
             <a:endParaRPr kumimoji="0" lang="en-US" altLang="en-US" sz="1400" b="1" i="0" u="none" strike="noStrike" cap="none" normalizeH="0" baseline="0" dirty="0" smtClean="0">
               <a:ln>
@@ -10376,7 +10476,37 @@
                 <a:ea typeface="Verdana" panose="020B0604030504040204" pitchFamily="34" charset="0"/>
                 <a:cs typeface="Verdana" panose="020B0604030504040204" pitchFamily="34" charset="0"/>
               </a:rPr>
-              <a:t># execute the graph</a:t>
+              <a:t># </a:t>
+            </a:r>
+            <a:r>
+              <a:rPr kumimoji="0" lang="en-US" altLang="en-US" sz="1400" b="1" i="0" u="none" strike="noStrike" cap="none" normalizeH="0" dirty="0" smtClean="0">
+                <a:ln>
+                  <a:noFill/>
+                </a:ln>
+                <a:solidFill>
+                  <a:srgbClr val="00B050"/>
+                </a:solidFill>
+                <a:effectLst/>
+                <a:latin typeface="Verdana" panose="020B0604030504040204" pitchFamily="34" charset="0"/>
+                <a:ea typeface="Verdana" panose="020B0604030504040204" pitchFamily="34" charset="0"/>
+                <a:cs typeface="Verdana" panose="020B0604030504040204" pitchFamily="34" charset="0"/>
+              </a:rPr>
+              <a:t>run </a:t>
+            </a:r>
+            <a:r>
+              <a:rPr kumimoji="0" lang="en-US" altLang="en-US" sz="1400" b="1" i="0" u="none" strike="noStrike" cap="none" normalizeH="0" dirty="0" smtClean="0">
+                <a:ln>
+                  <a:noFill/>
+                </a:ln>
+                <a:solidFill>
+                  <a:srgbClr val="00B050"/>
+                </a:solidFill>
+                <a:effectLst/>
+                <a:latin typeface="Verdana" panose="020B0604030504040204" pitchFamily="34" charset="0"/>
+                <a:ea typeface="Verdana" panose="020B0604030504040204" pitchFamily="34" charset="0"/>
+                <a:cs typeface="Verdana" panose="020B0604030504040204" pitchFamily="34" charset="0"/>
+              </a:rPr>
+              <a:t>the graph</a:t>
             </a:r>
             <a:endParaRPr kumimoji="0" lang="en-US" altLang="en-US" sz="1400" b="1" i="0" u="none" strike="noStrike" cap="none" normalizeH="0" baseline="0" dirty="0" smtClean="0">
               <a:ln>
@@ -11177,7 +11307,20 @@
                 <a:ea typeface="Verdana" panose="020B0604030504040204" pitchFamily="34" charset="0"/>
                 <a:cs typeface="Verdana" panose="020B0604030504040204" pitchFamily="34" charset="0"/>
               </a:rPr>
-              <a:t>w = </a:t>
+              <a:t>a  </a:t>
+            </a:r>
+            <a:r>
+              <a:rPr lang="en-US" altLang="en-US" sz="1400" b="1" dirty="0" smtClean="0">
+                <a:solidFill>
+                  <a:schemeClr val="accent5">
+                    <a:lumMod val="50000"/>
+                  </a:schemeClr>
+                </a:solidFill>
+                <a:latin typeface="Verdana" panose="020B0604030504040204" pitchFamily="34" charset="0"/>
+                <a:ea typeface="Verdana" panose="020B0604030504040204" pitchFamily="34" charset="0"/>
+                <a:cs typeface="Verdana" panose="020B0604030504040204" pitchFamily="34" charset="0"/>
+              </a:rPr>
+              <a:t>= </a:t>
             </a:r>
             <a:r>
               <a:rPr lang="en-US" altLang="en-US" sz="1400" b="1" dirty="0" err="1" smtClean="0">
@@ -11354,7 +11497,33 @@
                 <a:ea typeface="Verdana" panose="020B0604030504040204" pitchFamily="34" charset="0"/>
                 <a:cs typeface="Verdana" panose="020B0604030504040204" pitchFamily="34" charset="0"/>
               </a:rPr>
-              <a:t> = b  + w * x 			</a:t>
+              <a:t> = b  + </a:t>
+            </a:r>
+            <a:r>
+              <a:rPr lang="en-US" altLang="en-US" sz="1400" b="1" dirty="0" smtClean="0">
+                <a:solidFill>
+                  <a:schemeClr val="accent5">
+                    <a:lumMod val="50000"/>
+                  </a:schemeClr>
+                </a:solidFill>
+                <a:latin typeface="Verdana" panose="020B0604030504040204" pitchFamily="34" charset="0"/>
+                <a:ea typeface="Verdana" panose="020B0604030504040204" pitchFamily="34" charset="0"/>
+                <a:cs typeface="Verdana" panose="020B0604030504040204" pitchFamily="34" charset="0"/>
+              </a:rPr>
+              <a:t>a </a:t>
+            </a:r>
+            <a:r>
+              <a:rPr lang="en-US" altLang="en-US" sz="1400" b="1" dirty="0" smtClean="0">
+                <a:solidFill>
+                  <a:schemeClr val="accent5">
+                    <a:lumMod val="50000"/>
+                  </a:schemeClr>
+                </a:solidFill>
+                <a:latin typeface="Verdana" panose="020B0604030504040204" pitchFamily="34" charset="0"/>
+                <a:ea typeface="Verdana" panose="020B0604030504040204" pitchFamily="34" charset="0"/>
+                <a:cs typeface="Verdana" panose="020B0604030504040204" pitchFamily="34" charset="0"/>
+              </a:rPr>
+              <a:t>* x 			</a:t>
             </a:r>
             <a:r>
               <a:rPr lang="en-US" altLang="en-US" sz="1400" b="1" dirty="0" smtClean="0">
@@ -11895,7 +12064,37 @@
                 <a:ea typeface="Verdana" panose="020B0604030504040204" pitchFamily="34" charset="0"/>
                 <a:cs typeface="Verdana" panose="020B0604030504040204" pitchFamily="34" charset="0"/>
               </a:rPr>
-              <a:t># execute the graph</a:t>
+              <a:t># </a:t>
+            </a:r>
+            <a:r>
+              <a:rPr kumimoji="0" lang="en-US" altLang="en-US" sz="1400" b="1" i="0" u="none" strike="noStrike" cap="none" normalizeH="0" dirty="0" smtClean="0">
+                <a:ln>
+                  <a:noFill/>
+                </a:ln>
+                <a:solidFill>
+                  <a:srgbClr val="00B050"/>
+                </a:solidFill>
+                <a:effectLst/>
+                <a:latin typeface="Verdana" panose="020B0604030504040204" pitchFamily="34" charset="0"/>
+                <a:ea typeface="Verdana" panose="020B0604030504040204" pitchFamily="34" charset="0"/>
+                <a:cs typeface="Verdana" panose="020B0604030504040204" pitchFamily="34" charset="0"/>
+              </a:rPr>
+              <a:t>run </a:t>
+            </a:r>
+            <a:r>
+              <a:rPr kumimoji="0" lang="en-US" altLang="en-US" sz="1400" b="1" i="0" u="none" strike="noStrike" cap="none" normalizeH="0" dirty="0" smtClean="0">
+                <a:ln>
+                  <a:noFill/>
+                </a:ln>
+                <a:solidFill>
+                  <a:srgbClr val="00B050"/>
+                </a:solidFill>
+                <a:effectLst/>
+                <a:latin typeface="Verdana" panose="020B0604030504040204" pitchFamily="34" charset="0"/>
+                <a:ea typeface="Verdana" panose="020B0604030504040204" pitchFamily="34" charset="0"/>
+                <a:cs typeface="Verdana" panose="020B0604030504040204" pitchFamily="34" charset="0"/>
+              </a:rPr>
+              <a:t>the graph</a:t>
             </a:r>
             <a:endParaRPr kumimoji="0" lang="en-US" altLang="en-US" sz="1400" b="1" i="0" u="none" strike="noStrike" cap="none" normalizeH="0" baseline="0" dirty="0" smtClean="0">
               <a:ln>
@@ -13939,7 +14138,7 @@
                 <a:ea typeface="Verdana" panose="020B0604030504040204" pitchFamily="34" charset="0"/>
                 <a:cs typeface="Verdana" panose="020B0604030504040204" pitchFamily="34" charset="0"/>
               </a:rPr>
-              <a:t>optimizer.minize</a:t>
+              <a:t>optimizer.minimize</a:t>
             </a:r>
             <a:r>
               <a:rPr lang="en-US" altLang="en-US" sz="1400" b="1" dirty="0" smtClean="0">
@@ -20421,7 +20620,37 @@
                 <a:ea typeface="Verdana" panose="020B0604030504040204" pitchFamily="34" charset="0"/>
                 <a:cs typeface="Verdana" panose="020B0604030504040204" pitchFamily="34" charset="0"/>
               </a:rPr>
-              <a:t># execute the graph</a:t>
+              <a:t># </a:t>
+            </a:r>
+            <a:r>
+              <a:rPr kumimoji="0" lang="en-US" altLang="en-US" sz="1400" b="1" i="0" u="none" strike="noStrike" cap="none" normalizeH="0" dirty="0" smtClean="0">
+                <a:ln>
+                  <a:noFill/>
+                </a:ln>
+                <a:solidFill>
+                  <a:srgbClr val="00B050"/>
+                </a:solidFill>
+                <a:effectLst/>
+                <a:latin typeface="Verdana" panose="020B0604030504040204" pitchFamily="34" charset="0"/>
+                <a:ea typeface="Verdana" panose="020B0604030504040204" pitchFamily="34" charset="0"/>
+                <a:cs typeface="Verdana" panose="020B0604030504040204" pitchFamily="34" charset="0"/>
+              </a:rPr>
+              <a:t>run </a:t>
+            </a:r>
+            <a:r>
+              <a:rPr kumimoji="0" lang="en-US" altLang="en-US" sz="1400" b="1" i="0" u="none" strike="noStrike" cap="none" normalizeH="0" dirty="0" smtClean="0">
+                <a:ln>
+                  <a:noFill/>
+                </a:ln>
+                <a:solidFill>
+                  <a:srgbClr val="00B050"/>
+                </a:solidFill>
+                <a:effectLst/>
+                <a:latin typeface="Verdana" panose="020B0604030504040204" pitchFamily="34" charset="0"/>
+                <a:ea typeface="Verdana" panose="020B0604030504040204" pitchFamily="34" charset="0"/>
+                <a:cs typeface="Verdana" panose="020B0604030504040204" pitchFamily="34" charset="0"/>
+              </a:rPr>
+              <a:t>the graph</a:t>
             </a:r>
             <a:endParaRPr kumimoji="0" lang="en-US" altLang="en-US" sz="1400" b="1" i="0" u="none" strike="noStrike" cap="none" normalizeH="0" baseline="0" dirty="0" smtClean="0">
               <a:ln>

--- a/Presentations/ML Tensorflow Intro.pptx
+++ b/Presentations/ML Tensorflow Intro.pptx
@@ -3186,18 +3186,27 @@
                   </a:schemeClr>
                 </a:solidFill>
               </a:rPr>
-              <a:t>Community Outreach Officer</a:t>
-            </a:r>
-            <a:r>
-              <a:rPr lang="en-US" sz="2400" dirty="0" smtClean="0"/>
-              <a:t/>
-            </a:r>
-            <a:br>
-              <a:rPr lang="en-US" sz="2400" dirty="0" smtClean="0"/>
-            </a:br>
+              <a:t>Community </a:t>
+            </a:r>
+            <a:r>
+              <a:rPr lang="en-US" sz="2400" smtClean="0">
+                <a:solidFill>
+                  <a:schemeClr val="accent1">
+                    <a:lumMod val="75000"/>
+                  </a:schemeClr>
+                </a:solidFill>
+              </a:rPr>
+              <a:t>Outreach </a:t>
+            </a:r>
+          </a:p>
+          <a:p>
+            <a:r>
+              <a:rPr lang="en-US" sz="1800" smtClean="0"/>
+              <a:t>June</a:t>
+            </a:r>
             <a:r>
               <a:rPr lang="en-US" sz="1800" dirty="0" smtClean="0"/>
-              <a:t>June, 2017</a:t>
+              <a:t>, 2017</a:t>
             </a:r>
             <a:endParaRPr lang="en-US" sz="1800" dirty="0"/>
           </a:p>
@@ -4055,37 +4064,7 @@
                 <a:ea typeface="Verdana" panose="020B0604030504040204" pitchFamily="34" charset="0"/>
                 <a:cs typeface="Verdana" panose="020B0604030504040204" pitchFamily="34" charset="0"/>
               </a:rPr>
-              <a:t># </a:t>
-            </a:r>
-            <a:r>
-              <a:rPr kumimoji="0" lang="en-US" altLang="en-US" sz="1400" b="1" i="0" u="none" strike="noStrike" cap="none" normalizeH="0" dirty="0" smtClean="0">
-                <a:ln>
-                  <a:noFill/>
-                </a:ln>
-                <a:solidFill>
-                  <a:srgbClr val="00B050"/>
-                </a:solidFill>
-                <a:effectLst/>
-                <a:latin typeface="Verdana" panose="020B0604030504040204" pitchFamily="34" charset="0"/>
-                <a:ea typeface="Verdana" panose="020B0604030504040204" pitchFamily="34" charset="0"/>
-                <a:cs typeface="Verdana" panose="020B0604030504040204" pitchFamily="34" charset="0"/>
-              </a:rPr>
-              <a:t>run </a:t>
-            </a:r>
-            <a:r>
-              <a:rPr kumimoji="0" lang="en-US" altLang="en-US" sz="1400" b="1" i="0" u="none" strike="noStrike" cap="none" normalizeH="0" dirty="0" smtClean="0">
-                <a:ln>
-                  <a:noFill/>
-                </a:ln>
-                <a:solidFill>
-                  <a:srgbClr val="00B050"/>
-                </a:solidFill>
-                <a:effectLst/>
-                <a:latin typeface="Verdana" panose="020B0604030504040204" pitchFamily="34" charset="0"/>
-                <a:ea typeface="Verdana" panose="020B0604030504040204" pitchFamily="34" charset="0"/>
-                <a:cs typeface="Verdana" panose="020B0604030504040204" pitchFamily="34" charset="0"/>
-              </a:rPr>
-              <a:t>the graph</a:t>
+              <a:t># run the graph</a:t>
             </a:r>
             <a:endParaRPr kumimoji="0" lang="en-US" altLang="en-US" sz="1400" b="1" i="0" u="none" strike="noStrike" cap="none" normalizeH="0" baseline="0" dirty="0" smtClean="0">
               <a:ln>
@@ -5285,37 +5264,7 @@
                 <a:ea typeface="Verdana" panose="020B0604030504040204" pitchFamily="34" charset="0"/>
                 <a:cs typeface="Verdana" panose="020B0604030504040204" pitchFamily="34" charset="0"/>
               </a:rPr>
-              <a:t># </a:t>
-            </a:r>
-            <a:r>
-              <a:rPr kumimoji="0" lang="en-US" altLang="en-US" sz="1400" b="1" i="0" u="none" strike="noStrike" cap="none" normalizeH="0" dirty="0" smtClean="0">
-                <a:ln>
-                  <a:noFill/>
-                </a:ln>
-                <a:solidFill>
-                  <a:srgbClr val="00B050"/>
-                </a:solidFill>
-                <a:effectLst/>
-                <a:latin typeface="Verdana" panose="020B0604030504040204" pitchFamily="34" charset="0"/>
-                <a:ea typeface="Verdana" panose="020B0604030504040204" pitchFamily="34" charset="0"/>
-                <a:cs typeface="Verdana" panose="020B0604030504040204" pitchFamily="34" charset="0"/>
-              </a:rPr>
-              <a:t>run </a:t>
-            </a:r>
-            <a:r>
-              <a:rPr kumimoji="0" lang="en-US" altLang="en-US" sz="1400" b="1" i="0" u="none" strike="noStrike" cap="none" normalizeH="0" dirty="0" smtClean="0">
-                <a:ln>
-                  <a:noFill/>
-                </a:ln>
-                <a:solidFill>
-                  <a:srgbClr val="00B050"/>
-                </a:solidFill>
-                <a:effectLst/>
-                <a:latin typeface="Verdana" panose="020B0604030504040204" pitchFamily="34" charset="0"/>
-                <a:ea typeface="Verdana" panose="020B0604030504040204" pitchFamily="34" charset="0"/>
-                <a:cs typeface="Verdana" panose="020B0604030504040204" pitchFamily="34" charset="0"/>
-              </a:rPr>
-              <a:t>the graph</a:t>
+              <a:t># run the graph</a:t>
             </a:r>
             <a:endParaRPr kumimoji="0" lang="en-US" altLang="en-US" sz="1400" b="1" i="0" u="none" strike="noStrike" cap="none" normalizeH="0" baseline="0" dirty="0" smtClean="0">
               <a:ln>
@@ -6717,37 +6666,7 @@
                 <a:ea typeface="Verdana" panose="020B0604030504040204" pitchFamily="34" charset="0"/>
                 <a:cs typeface="Verdana" panose="020B0604030504040204" pitchFamily="34" charset="0"/>
               </a:rPr>
-              <a:t># </a:t>
-            </a:r>
-            <a:r>
-              <a:rPr kumimoji="0" lang="en-US" altLang="en-US" sz="1400" b="1" i="0" u="none" strike="noStrike" cap="none" normalizeH="0" dirty="0" smtClean="0">
-                <a:ln>
-                  <a:noFill/>
-                </a:ln>
-                <a:solidFill>
-                  <a:srgbClr val="00B050"/>
-                </a:solidFill>
-                <a:effectLst/>
-                <a:latin typeface="Verdana" panose="020B0604030504040204" pitchFamily="34" charset="0"/>
-                <a:ea typeface="Verdana" panose="020B0604030504040204" pitchFamily="34" charset="0"/>
-                <a:cs typeface="Verdana" panose="020B0604030504040204" pitchFamily="34" charset="0"/>
-              </a:rPr>
-              <a:t>run </a:t>
-            </a:r>
-            <a:r>
-              <a:rPr kumimoji="0" lang="en-US" altLang="en-US" sz="1400" b="1" i="0" u="none" strike="noStrike" cap="none" normalizeH="0" dirty="0" smtClean="0">
-                <a:ln>
-                  <a:noFill/>
-                </a:ln>
-                <a:solidFill>
-                  <a:srgbClr val="00B050"/>
-                </a:solidFill>
-                <a:effectLst/>
-                <a:latin typeface="Verdana" panose="020B0604030504040204" pitchFamily="34" charset="0"/>
-                <a:ea typeface="Verdana" panose="020B0604030504040204" pitchFamily="34" charset="0"/>
-                <a:cs typeface="Verdana" panose="020B0604030504040204" pitchFamily="34" charset="0"/>
-              </a:rPr>
-              <a:t>the graph</a:t>
+              <a:t># run the graph</a:t>
             </a:r>
             <a:endParaRPr kumimoji="0" lang="en-US" altLang="en-US" sz="1400" b="1" i="0" u="none" strike="noStrike" cap="none" normalizeH="0" baseline="0" dirty="0" smtClean="0">
               <a:ln>
@@ -6982,11 +6901,7 @@
           <a:p>
             <a:r>
               <a:rPr lang="en-US" sz="1600" dirty="0" smtClean="0"/>
-              <a:t>Bound an array instead of a </a:t>
-            </a:r>
-            <a:r>
-              <a:rPr lang="en-US" sz="1600" dirty="0" smtClean="0"/>
-              <a:t>scalar value</a:t>
+              <a:t>Bound an array instead of a scalar value</a:t>
             </a:r>
             <a:endParaRPr lang="en-US" sz="1600" dirty="0"/>
           </a:p>
@@ -9080,37 +8995,7 @@
                 <a:ea typeface="Verdana" panose="020B0604030504040204" pitchFamily="34" charset="0"/>
                 <a:cs typeface="Verdana" panose="020B0604030504040204" pitchFamily="34" charset="0"/>
               </a:rPr>
-              <a:t># </a:t>
-            </a:r>
-            <a:r>
-              <a:rPr kumimoji="0" lang="en-US" altLang="en-US" sz="1400" b="1" i="0" u="none" strike="noStrike" cap="none" normalizeH="0" dirty="0" smtClean="0">
-                <a:ln>
-                  <a:noFill/>
-                </a:ln>
-                <a:solidFill>
-                  <a:srgbClr val="00B050"/>
-                </a:solidFill>
-                <a:effectLst/>
-                <a:latin typeface="Verdana" panose="020B0604030504040204" pitchFamily="34" charset="0"/>
-                <a:ea typeface="Verdana" panose="020B0604030504040204" pitchFamily="34" charset="0"/>
-                <a:cs typeface="Verdana" panose="020B0604030504040204" pitchFamily="34" charset="0"/>
-              </a:rPr>
-              <a:t>run </a:t>
-            </a:r>
-            <a:r>
-              <a:rPr kumimoji="0" lang="en-US" altLang="en-US" sz="1400" b="1" i="0" u="none" strike="noStrike" cap="none" normalizeH="0" dirty="0" smtClean="0">
-                <a:ln>
-                  <a:noFill/>
-                </a:ln>
-                <a:solidFill>
-                  <a:srgbClr val="00B050"/>
-                </a:solidFill>
-                <a:effectLst/>
-                <a:latin typeface="Verdana" panose="020B0604030504040204" pitchFamily="34" charset="0"/>
-                <a:ea typeface="Verdana" panose="020B0604030504040204" pitchFamily="34" charset="0"/>
-                <a:cs typeface="Verdana" panose="020B0604030504040204" pitchFamily="34" charset="0"/>
-              </a:rPr>
-              <a:t>the graph</a:t>
+              <a:t># run the graph</a:t>
             </a:r>
             <a:endParaRPr kumimoji="0" lang="en-US" altLang="en-US" sz="1400" b="1" i="0" u="none" strike="noStrike" cap="none" normalizeH="0" baseline="0" dirty="0" smtClean="0">
               <a:ln>
@@ -10476,37 +10361,7 @@
                 <a:ea typeface="Verdana" panose="020B0604030504040204" pitchFamily="34" charset="0"/>
                 <a:cs typeface="Verdana" panose="020B0604030504040204" pitchFamily="34" charset="0"/>
               </a:rPr>
-              <a:t># </a:t>
-            </a:r>
-            <a:r>
-              <a:rPr kumimoji="0" lang="en-US" altLang="en-US" sz="1400" b="1" i="0" u="none" strike="noStrike" cap="none" normalizeH="0" dirty="0" smtClean="0">
-                <a:ln>
-                  <a:noFill/>
-                </a:ln>
-                <a:solidFill>
-                  <a:srgbClr val="00B050"/>
-                </a:solidFill>
-                <a:effectLst/>
-                <a:latin typeface="Verdana" panose="020B0604030504040204" pitchFamily="34" charset="0"/>
-                <a:ea typeface="Verdana" panose="020B0604030504040204" pitchFamily="34" charset="0"/>
-                <a:cs typeface="Verdana" panose="020B0604030504040204" pitchFamily="34" charset="0"/>
-              </a:rPr>
-              <a:t>run </a:t>
-            </a:r>
-            <a:r>
-              <a:rPr kumimoji="0" lang="en-US" altLang="en-US" sz="1400" b="1" i="0" u="none" strike="noStrike" cap="none" normalizeH="0" dirty="0" smtClean="0">
-                <a:ln>
-                  <a:noFill/>
-                </a:ln>
-                <a:solidFill>
-                  <a:srgbClr val="00B050"/>
-                </a:solidFill>
-                <a:effectLst/>
-                <a:latin typeface="Verdana" panose="020B0604030504040204" pitchFamily="34" charset="0"/>
-                <a:ea typeface="Verdana" panose="020B0604030504040204" pitchFamily="34" charset="0"/>
-                <a:cs typeface="Verdana" panose="020B0604030504040204" pitchFamily="34" charset="0"/>
-              </a:rPr>
-              <a:t>the graph</a:t>
+              <a:t># run the graph</a:t>
             </a:r>
             <a:endParaRPr kumimoji="0" lang="en-US" altLang="en-US" sz="1400" b="1" i="0" u="none" strike="noStrike" cap="none" normalizeH="0" baseline="0" dirty="0" smtClean="0">
               <a:ln>
@@ -11307,20 +11162,7 @@
                 <a:ea typeface="Verdana" panose="020B0604030504040204" pitchFamily="34" charset="0"/>
                 <a:cs typeface="Verdana" panose="020B0604030504040204" pitchFamily="34" charset="0"/>
               </a:rPr>
-              <a:t>a  </a:t>
-            </a:r>
-            <a:r>
-              <a:rPr lang="en-US" altLang="en-US" sz="1400" b="1" dirty="0" smtClean="0">
-                <a:solidFill>
-                  <a:schemeClr val="accent5">
-                    <a:lumMod val="50000"/>
-                  </a:schemeClr>
-                </a:solidFill>
-                <a:latin typeface="Verdana" panose="020B0604030504040204" pitchFamily="34" charset="0"/>
-                <a:ea typeface="Verdana" panose="020B0604030504040204" pitchFamily="34" charset="0"/>
-                <a:cs typeface="Verdana" panose="020B0604030504040204" pitchFamily="34" charset="0"/>
-              </a:rPr>
-              <a:t>= </a:t>
+              <a:t>a  = </a:t>
             </a:r>
             <a:r>
               <a:rPr lang="en-US" altLang="en-US" sz="1400" b="1" dirty="0" err="1" smtClean="0">
@@ -11497,33 +11339,7 @@
                 <a:ea typeface="Verdana" panose="020B0604030504040204" pitchFamily="34" charset="0"/>
                 <a:cs typeface="Verdana" panose="020B0604030504040204" pitchFamily="34" charset="0"/>
               </a:rPr>
-              <a:t> = b  + </a:t>
-            </a:r>
-            <a:r>
-              <a:rPr lang="en-US" altLang="en-US" sz="1400" b="1" dirty="0" smtClean="0">
-                <a:solidFill>
-                  <a:schemeClr val="accent5">
-                    <a:lumMod val="50000"/>
-                  </a:schemeClr>
-                </a:solidFill>
-                <a:latin typeface="Verdana" panose="020B0604030504040204" pitchFamily="34" charset="0"/>
-                <a:ea typeface="Verdana" panose="020B0604030504040204" pitchFamily="34" charset="0"/>
-                <a:cs typeface="Verdana" panose="020B0604030504040204" pitchFamily="34" charset="0"/>
-              </a:rPr>
-              <a:t>a </a:t>
-            </a:r>
-            <a:r>
-              <a:rPr lang="en-US" altLang="en-US" sz="1400" b="1" dirty="0" smtClean="0">
-                <a:solidFill>
-                  <a:schemeClr val="accent5">
-                    <a:lumMod val="50000"/>
-                  </a:schemeClr>
-                </a:solidFill>
-                <a:latin typeface="Verdana" panose="020B0604030504040204" pitchFamily="34" charset="0"/>
-                <a:ea typeface="Verdana" panose="020B0604030504040204" pitchFamily="34" charset="0"/>
-                <a:cs typeface="Verdana" panose="020B0604030504040204" pitchFamily="34" charset="0"/>
-              </a:rPr>
-              <a:t>* x 			</a:t>
+              <a:t> = b  + a * x 			</a:t>
             </a:r>
             <a:r>
               <a:rPr lang="en-US" altLang="en-US" sz="1400" b="1" dirty="0" smtClean="0">
@@ -12064,37 +11880,7 @@
                 <a:ea typeface="Verdana" panose="020B0604030504040204" pitchFamily="34" charset="0"/>
                 <a:cs typeface="Verdana" panose="020B0604030504040204" pitchFamily="34" charset="0"/>
               </a:rPr>
-              <a:t># </a:t>
-            </a:r>
-            <a:r>
-              <a:rPr kumimoji="0" lang="en-US" altLang="en-US" sz="1400" b="1" i="0" u="none" strike="noStrike" cap="none" normalizeH="0" dirty="0" smtClean="0">
-                <a:ln>
-                  <a:noFill/>
-                </a:ln>
-                <a:solidFill>
-                  <a:srgbClr val="00B050"/>
-                </a:solidFill>
-                <a:effectLst/>
-                <a:latin typeface="Verdana" panose="020B0604030504040204" pitchFamily="34" charset="0"/>
-                <a:ea typeface="Verdana" panose="020B0604030504040204" pitchFamily="34" charset="0"/>
-                <a:cs typeface="Verdana" panose="020B0604030504040204" pitchFamily="34" charset="0"/>
-              </a:rPr>
-              <a:t>run </a:t>
-            </a:r>
-            <a:r>
-              <a:rPr kumimoji="0" lang="en-US" altLang="en-US" sz="1400" b="1" i="0" u="none" strike="noStrike" cap="none" normalizeH="0" dirty="0" smtClean="0">
-                <a:ln>
-                  <a:noFill/>
-                </a:ln>
-                <a:solidFill>
-                  <a:srgbClr val="00B050"/>
-                </a:solidFill>
-                <a:effectLst/>
-                <a:latin typeface="Verdana" panose="020B0604030504040204" pitchFamily="34" charset="0"/>
-                <a:ea typeface="Verdana" panose="020B0604030504040204" pitchFamily="34" charset="0"/>
-                <a:cs typeface="Verdana" panose="020B0604030504040204" pitchFamily="34" charset="0"/>
-              </a:rPr>
-              <a:t>the graph</a:t>
+              <a:t># run the graph</a:t>
             </a:r>
             <a:endParaRPr kumimoji="0" lang="en-US" altLang="en-US" sz="1400" b="1" i="0" u="none" strike="noStrike" cap="none" normalizeH="0" baseline="0" dirty="0" smtClean="0">
               <a:ln>
@@ -17627,8 +17413,8 @@
         </p:nvSpPr>
         <p:spPr>
           <a:xfrm>
-            <a:off x="1550350" y="5644634"/>
-            <a:ext cx="928459" cy="369332"/>
+            <a:off x="1296112" y="5644634"/>
+            <a:ext cx="1114408" cy="369332"/>
           </a:xfrm>
           <a:prstGeom prst="rect">
             <a:avLst/>
@@ -17643,7 +17429,7 @@
           <a:p>
             <a:r>
               <a:rPr lang="en-US" dirty="0" smtClean="0"/>
-              <a:t>Sample </a:t>
+              <a:t>A Sample </a:t>
             </a:r>
             <a:endParaRPr lang="en-US" dirty="0"/>
           </a:p>
@@ -20276,6 +20062,19 @@
               <a:tabLst/>
             </a:pPr>
             <a:r>
+              <a:rPr lang="en-US" altLang="en-US" sz="1400" b="1" dirty="0">
+                <a:solidFill>
+                  <a:schemeClr val="accent5">
+                    <a:lumMod val="50000"/>
+                  </a:schemeClr>
+                </a:solidFill>
+                <a:latin typeface="Verdana" panose="020B0604030504040204" pitchFamily="34" charset="0"/>
+                <a:ea typeface="Verdana" panose="020B0604030504040204" pitchFamily="34" charset="0"/>
+                <a:cs typeface="Verdana" panose="020B0604030504040204" pitchFamily="34" charset="0"/>
+              </a:rPr>
+              <a:t>x</a:t>
+            </a:r>
+            <a:r>
               <a:rPr lang="en-US" altLang="en-US" sz="1400" b="1" dirty="0" smtClean="0">
                 <a:solidFill>
                   <a:schemeClr val="accent5">
@@ -20286,7 +20085,20 @@
                 <a:ea typeface="Verdana" panose="020B0604030504040204" pitchFamily="34" charset="0"/>
                 <a:cs typeface="Verdana" panose="020B0604030504040204" pitchFamily="34" charset="0"/>
               </a:rPr>
-              <a:t>X2 = </a:t>
+              <a:t>2 </a:t>
+            </a:r>
+            <a:r>
+              <a:rPr lang="en-US" altLang="en-US" sz="1400" b="1" dirty="0" smtClean="0">
+                <a:solidFill>
+                  <a:schemeClr val="accent5">
+                    <a:lumMod val="50000"/>
+                  </a:schemeClr>
+                </a:solidFill>
+                <a:latin typeface="Verdana" panose="020B0604030504040204" pitchFamily="34" charset="0"/>
+                <a:ea typeface="Verdana" panose="020B0604030504040204" pitchFamily="34" charset="0"/>
+                <a:cs typeface="Verdana" panose="020B0604030504040204" pitchFamily="34" charset="0"/>
+              </a:rPr>
+              <a:t>= </a:t>
             </a:r>
             <a:r>
               <a:rPr lang="en-US" altLang="en-US" sz="1400" b="1" dirty="0" err="1" smtClean="0">
@@ -20620,37 +20432,7 @@
                 <a:ea typeface="Verdana" panose="020B0604030504040204" pitchFamily="34" charset="0"/>
                 <a:cs typeface="Verdana" panose="020B0604030504040204" pitchFamily="34" charset="0"/>
               </a:rPr>
-              <a:t># </a:t>
-            </a:r>
-            <a:r>
-              <a:rPr kumimoji="0" lang="en-US" altLang="en-US" sz="1400" b="1" i="0" u="none" strike="noStrike" cap="none" normalizeH="0" dirty="0" smtClean="0">
-                <a:ln>
-                  <a:noFill/>
-                </a:ln>
-                <a:solidFill>
-                  <a:srgbClr val="00B050"/>
-                </a:solidFill>
-                <a:effectLst/>
-                <a:latin typeface="Verdana" panose="020B0604030504040204" pitchFamily="34" charset="0"/>
-                <a:ea typeface="Verdana" panose="020B0604030504040204" pitchFamily="34" charset="0"/>
-                <a:cs typeface="Verdana" panose="020B0604030504040204" pitchFamily="34" charset="0"/>
-              </a:rPr>
-              <a:t>run </a:t>
-            </a:r>
-            <a:r>
-              <a:rPr kumimoji="0" lang="en-US" altLang="en-US" sz="1400" b="1" i="0" u="none" strike="noStrike" cap="none" normalizeH="0" dirty="0" smtClean="0">
-                <a:ln>
-                  <a:noFill/>
-                </a:ln>
-                <a:solidFill>
-                  <a:srgbClr val="00B050"/>
-                </a:solidFill>
-                <a:effectLst/>
-                <a:latin typeface="Verdana" panose="020B0604030504040204" pitchFamily="34" charset="0"/>
-                <a:ea typeface="Verdana" panose="020B0604030504040204" pitchFamily="34" charset="0"/>
-                <a:cs typeface="Verdana" panose="020B0604030504040204" pitchFamily="34" charset="0"/>
-              </a:rPr>
-              <a:t>the graph</a:t>
+              <a:t># run the graph</a:t>
             </a:r>
             <a:endParaRPr kumimoji="0" lang="en-US" altLang="en-US" sz="1400" b="1" i="0" u="none" strike="noStrike" cap="none" normalizeH="0" baseline="0" dirty="0" smtClean="0">
               <a:ln>

--- a/Presentations/ML Tensorflow Intro.pptx
+++ b/Presentations/ML Tensorflow Intro.pptx
@@ -307,7 +307,7 @@
             <a:fld id="{1D8BD707-D9CF-40AE-B4C6-C98DA3205C09}" type="datetimeFigureOut">
               <a:rPr lang="en-US" smtClean="0"/>
               <a:pPr/>
-              <a:t>6/3/2017</a:t>
+              <a:t>6/15/2017</a:t>
             </a:fld>
             <a:endParaRPr lang="en-US"/>
           </a:p>
@@ -474,7 +474,7 @@
             <a:fld id="{1D8BD707-D9CF-40AE-B4C6-C98DA3205C09}" type="datetimeFigureOut">
               <a:rPr lang="en-US" smtClean="0"/>
               <a:pPr/>
-              <a:t>6/3/2017</a:t>
+              <a:t>6/15/2017</a:t>
             </a:fld>
             <a:endParaRPr lang="en-US"/>
           </a:p>
@@ -651,7 +651,7 @@
             <a:fld id="{1D8BD707-D9CF-40AE-B4C6-C98DA3205C09}" type="datetimeFigureOut">
               <a:rPr lang="en-US" smtClean="0"/>
               <a:pPr/>
-              <a:t>6/3/2017</a:t>
+              <a:t>6/15/2017</a:t>
             </a:fld>
             <a:endParaRPr lang="en-US"/>
           </a:p>
@@ -818,7 +818,7 @@
             <a:fld id="{1D8BD707-D9CF-40AE-B4C6-C98DA3205C09}" type="datetimeFigureOut">
               <a:rPr lang="en-US" smtClean="0"/>
               <a:pPr/>
-              <a:t>6/3/2017</a:t>
+              <a:t>6/15/2017</a:t>
             </a:fld>
             <a:endParaRPr lang="en-US"/>
           </a:p>
@@ -1061,7 +1061,7 @@
             <a:fld id="{1D8BD707-D9CF-40AE-B4C6-C98DA3205C09}" type="datetimeFigureOut">
               <a:rPr lang="en-US" smtClean="0"/>
               <a:pPr/>
-              <a:t>6/3/2017</a:t>
+              <a:t>6/15/2017</a:t>
             </a:fld>
             <a:endParaRPr lang="en-US"/>
           </a:p>
@@ -1346,7 +1346,7 @@
             <a:fld id="{1D8BD707-D9CF-40AE-B4C6-C98DA3205C09}" type="datetimeFigureOut">
               <a:rPr lang="en-US" smtClean="0"/>
               <a:pPr/>
-              <a:t>6/3/2017</a:t>
+              <a:t>6/15/2017</a:t>
             </a:fld>
             <a:endParaRPr lang="en-US"/>
           </a:p>
@@ -1765,7 +1765,7 @@
             <a:fld id="{1D8BD707-D9CF-40AE-B4C6-C98DA3205C09}" type="datetimeFigureOut">
               <a:rPr lang="en-US" smtClean="0"/>
               <a:pPr/>
-              <a:t>6/3/2017</a:t>
+              <a:t>6/15/2017</a:t>
             </a:fld>
             <a:endParaRPr lang="en-US"/>
           </a:p>
@@ -1880,7 +1880,7 @@
             <a:fld id="{1D8BD707-D9CF-40AE-B4C6-C98DA3205C09}" type="datetimeFigureOut">
               <a:rPr lang="en-US" smtClean="0"/>
               <a:pPr/>
-              <a:t>6/3/2017</a:t>
+              <a:t>6/15/2017</a:t>
             </a:fld>
             <a:endParaRPr lang="en-US"/>
           </a:p>
@@ -1972,7 +1972,7 @@
             <a:fld id="{1D8BD707-D9CF-40AE-B4C6-C98DA3205C09}" type="datetimeFigureOut">
               <a:rPr lang="en-US" smtClean="0"/>
               <a:pPr/>
-              <a:t>6/3/2017</a:t>
+              <a:t>6/15/2017</a:t>
             </a:fld>
             <a:endParaRPr lang="en-US"/>
           </a:p>
@@ -2246,7 +2246,7 @@
             <a:fld id="{1D8BD707-D9CF-40AE-B4C6-C98DA3205C09}" type="datetimeFigureOut">
               <a:rPr lang="en-US" smtClean="0"/>
               <a:pPr/>
-              <a:t>6/3/2017</a:t>
+              <a:t>6/15/2017</a:t>
             </a:fld>
             <a:endParaRPr lang="en-US"/>
           </a:p>
@@ -2496,7 +2496,7 @@
             <a:fld id="{1D8BD707-D9CF-40AE-B4C6-C98DA3205C09}" type="datetimeFigureOut">
               <a:rPr lang="en-US" smtClean="0"/>
               <a:pPr/>
-              <a:t>6/3/2017</a:t>
+              <a:t>6/15/2017</a:t>
             </a:fld>
             <a:endParaRPr lang="en-US"/>
           </a:p>
@@ -2706,7 +2706,7 @@
             <a:fld id="{1D8BD707-D9CF-40AE-B4C6-C98DA3205C09}" type="datetimeFigureOut">
               <a:rPr lang="en-US" smtClean="0"/>
               <a:pPr/>
-              <a:t>6/3/2017</a:t>
+              <a:t>6/15/2017</a:t>
             </a:fld>
             <a:endParaRPr lang="en-US"/>
           </a:p>
@@ -11021,17 +11021,17 @@
               <a:tabLst/>
             </a:pPr>
             <a:r>
-              <a:rPr lang="en-US" altLang="en-US" sz="1400" b="1" dirty="0">
-                <a:solidFill>
-                  <a:schemeClr val="accent5">
-                    <a:lumMod val="50000"/>
-                  </a:schemeClr>
-                </a:solidFill>
-                <a:latin typeface="Verdana" panose="020B0604030504040204" pitchFamily="34" charset="0"/>
-                <a:ea typeface="Verdana" panose="020B0604030504040204" pitchFamily="34" charset="0"/>
-                <a:cs typeface="Verdana" panose="020B0604030504040204" pitchFamily="34" charset="0"/>
-              </a:rPr>
-              <a:t>b</a:t>
+              <a:rPr lang="en-US" altLang="en-US" sz="1400" b="1" dirty="0" smtClean="0">
+                <a:solidFill>
+                  <a:schemeClr val="accent5">
+                    <a:lumMod val="50000"/>
+                  </a:schemeClr>
+                </a:solidFill>
+                <a:latin typeface="Verdana" panose="020B0604030504040204" pitchFamily="34" charset="0"/>
+                <a:ea typeface="Verdana" panose="020B0604030504040204" pitchFamily="34" charset="0"/>
+                <a:cs typeface="Verdana" panose="020B0604030504040204" pitchFamily="34" charset="0"/>
+              </a:rPr>
+              <a:t>a</a:t>
             </a:r>
             <a:r>
               <a:rPr kumimoji="0" lang="en-US" altLang="en-US" sz="1400" b="1" i="0" u="none" strike="noStrike" cap="none" normalizeH="0" baseline="0" dirty="0" smtClean="0">
@@ -11048,7 +11048,24 @@
                 <a:ea typeface="Verdana" panose="020B0604030504040204" pitchFamily="34" charset="0"/>
                 <a:cs typeface="Verdana" panose="020B0604030504040204" pitchFamily="34" charset="0"/>
               </a:rPr>
-              <a:t>  = </a:t>
+              <a:t>  </a:t>
+            </a:r>
+            <a:r>
+              <a:rPr kumimoji="0" lang="en-US" altLang="en-US" sz="1400" b="1" i="0" u="none" strike="noStrike" cap="none" normalizeH="0" baseline="0" dirty="0" smtClean="0">
+                <a:ln>
+                  <a:noFill/>
+                </a:ln>
+                <a:solidFill>
+                  <a:schemeClr val="accent5">
+                    <a:lumMod val="50000"/>
+                  </a:schemeClr>
+                </a:solidFill>
+                <a:effectLst/>
+                <a:latin typeface="Verdana" panose="020B0604030504040204" pitchFamily="34" charset="0"/>
+                <a:ea typeface="Verdana" panose="020B0604030504040204" pitchFamily="34" charset="0"/>
+                <a:cs typeface="Verdana" panose="020B0604030504040204" pitchFamily="34" charset="0"/>
+              </a:rPr>
+              <a:t>= </a:t>
             </a:r>
             <a:r>
               <a:rPr kumimoji="0" lang="en-US" altLang="en-US" sz="1400" b="1" i="0" u="none" strike="noStrike" cap="none" normalizeH="0" baseline="0" dirty="0" err="1" smtClean="0">
@@ -11162,7 +11179,20 @@
                 <a:ea typeface="Verdana" panose="020B0604030504040204" pitchFamily="34" charset="0"/>
                 <a:cs typeface="Verdana" panose="020B0604030504040204" pitchFamily="34" charset="0"/>
               </a:rPr>
-              <a:t>a  = </a:t>
+              <a:t>b  </a:t>
+            </a:r>
+            <a:r>
+              <a:rPr lang="en-US" altLang="en-US" sz="1400" b="1" dirty="0" smtClean="0">
+                <a:solidFill>
+                  <a:schemeClr val="accent5">
+                    <a:lumMod val="50000"/>
+                  </a:schemeClr>
+                </a:solidFill>
+                <a:latin typeface="Verdana" panose="020B0604030504040204" pitchFamily="34" charset="0"/>
+                <a:ea typeface="Verdana" panose="020B0604030504040204" pitchFamily="34" charset="0"/>
+                <a:cs typeface="Verdana" panose="020B0604030504040204" pitchFamily="34" charset="0"/>
+              </a:rPr>
+              <a:t>= </a:t>
             </a:r>
             <a:r>
               <a:rPr lang="en-US" altLang="en-US" sz="1400" b="1" dirty="0" err="1" smtClean="0">
@@ -11339,7 +11369,59 @@
                 <a:ea typeface="Verdana" panose="020B0604030504040204" pitchFamily="34" charset="0"/>
                 <a:cs typeface="Verdana" panose="020B0604030504040204" pitchFamily="34" charset="0"/>
               </a:rPr>
-              <a:t> = b  + a * x 			</a:t>
+              <a:t> = </a:t>
+            </a:r>
+            <a:r>
+              <a:rPr lang="en-US" altLang="en-US" sz="1400" b="1" dirty="0" smtClean="0">
+                <a:solidFill>
+                  <a:schemeClr val="accent5">
+                    <a:lumMod val="50000"/>
+                  </a:schemeClr>
+                </a:solidFill>
+                <a:latin typeface="Verdana" panose="020B0604030504040204" pitchFamily="34" charset="0"/>
+                <a:ea typeface="Verdana" panose="020B0604030504040204" pitchFamily="34" charset="0"/>
+                <a:cs typeface="Verdana" panose="020B0604030504040204" pitchFamily="34" charset="0"/>
+              </a:rPr>
+              <a:t>a  </a:t>
+            </a:r>
+            <a:r>
+              <a:rPr lang="en-US" altLang="en-US" sz="1400" b="1" dirty="0" smtClean="0">
+                <a:solidFill>
+                  <a:schemeClr val="accent5">
+                    <a:lumMod val="50000"/>
+                  </a:schemeClr>
+                </a:solidFill>
+                <a:latin typeface="Verdana" panose="020B0604030504040204" pitchFamily="34" charset="0"/>
+                <a:ea typeface="Verdana" panose="020B0604030504040204" pitchFamily="34" charset="0"/>
+                <a:cs typeface="Verdana" panose="020B0604030504040204" pitchFamily="34" charset="0"/>
+              </a:rPr>
+              <a:t>+ </a:t>
+            </a:r>
+            <a:r>
+              <a:rPr lang="en-US" altLang="en-US" sz="1400" b="1" dirty="0" smtClean="0">
+                <a:solidFill>
+                  <a:schemeClr val="accent5">
+                    <a:lumMod val="50000"/>
+                  </a:schemeClr>
+                </a:solidFill>
+                <a:latin typeface="Verdana" panose="020B0604030504040204" pitchFamily="34" charset="0"/>
+                <a:ea typeface="Verdana" panose="020B0604030504040204" pitchFamily="34" charset="0"/>
+                <a:cs typeface="Verdana" panose="020B0604030504040204" pitchFamily="34" charset="0"/>
+              </a:rPr>
+              <a:t>b </a:t>
+            </a:r>
+            <a:r>
+              <a:rPr lang="en-US" altLang="en-US" sz="1400" b="1" dirty="0" smtClean="0">
+                <a:solidFill>
+                  <a:schemeClr val="accent5">
+                    <a:lumMod val="50000"/>
+                  </a:schemeClr>
+                </a:solidFill>
+                <a:latin typeface="Verdana" panose="020B0604030504040204" pitchFamily="34" charset="0"/>
+                <a:ea typeface="Verdana" panose="020B0604030504040204" pitchFamily="34" charset="0"/>
+                <a:cs typeface="Verdana" panose="020B0604030504040204" pitchFamily="34" charset="0"/>
+              </a:rPr>
+              <a:t>* x 			</a:t>
             </a:r>
             <a:r>
               <a:rPr lang="en-US" altLang="en-US" sz="1400" b="1" dirty="0" smtClean="0">
@@ -20085,20 +20167,7 @@
                 <a:ea typeface="Verdana" panose="020B0604030504040204" pitchFamily="34" charset="0"/>
                 <a:cs typeface="Verdana" panose="020B0604030504040204" pitchFamily="34" charset="0"/>
               </a:rPr>
-              <a:t>2 </a:t>
-            </a:r>
-            <a:r>
-              <a:rPr lang="en-US" altLang="en-US" sz="1400" b="1" dirty="0" smtClean="0">
-                <a:solidFill>
-                  <a:schemeClr val="accent5">
-                    <a:lumMod val="50000"/>
-                  </a:schemeClr>
-                </a:solidFill>
-                <a:latin typeface="Verdana" panose="020B0604030504040204" pitchFamily="34" charset="0"/>
-                <a:ea typeface="Verdana" panose="020B0604030504040204" pitchFamily="34" charset="0"/>
-                <a:cs typeface="Verdana" panose="020B0604030504040204" pitchFamily="34" charset="0"/>
-              </a:rPr>
-              <a:t>= </a:t>
+              <a:t>2 = </a:t>
             </a:r>
             <a:r>
               <a:rPr lang="en-US" altLang="en-US" sz="1400" b="1" dirty="0" err="1" smtClean="0">

--- a/Presentations/ML Tensorflow Intro.pptx
+++ b/Presentations/ML Tensorflow Intro.pptx
@@ -307,7 +307,7 @@
             <a:fld id="{1D8BD707-D9CF-40AE-B4C6-C98DA3205C09}" type="datetimeFigureOut">
               <a:rPr lang="en-US" smtClean="0"/>
               <a:pPr/>
-              <a:t>6/15/2017</a:t>
+              <a:t>7/3/2017</a:t>
             </a:fld>
             <a:endParaRPr lang="en-US"/>
           </a:p>
@@ -474,7 +474,7 @@
             <a:fld id="{1D8BD707-D9CF-40AE-B4C6-C98DA3205C09}" type="datetimeFigureOut">
               <a:rPr lang="en-US" smtClean="0"/>
               <a:pPr/>
-              <a:t>6/15/2017</a:t>
+              <a:t>7/3/2017</a:t>
             </a:fld>
             <a:endParaRPr lang="en-US"/>
           </a:p>
@@ -651,7 +651,7 @@
             <a:fld id="{1D8BD707-D9CF-40AE-B4C6-C98DA3205C09}" type="datetimeFigureOut">
               <a:rPr lang="en-US" smtClean="0"/>
               <a:pPr/>
-              <a:t>6/15/2017</a:t>
+              <a:t>7/3/2017</a:t>
             </a:fld>
             <a:endParaRPr lang="en-US"/>
           </a:p>
@@ -818,7 +818,7 @@
             <a:fld id="{1D8BD707-D9CF-40AE-B4C6-C98DA3205C09}" type="datetimeFigureOut">
               <a:rPr lang="en-US" smtClean="0"/>
               <a:pPr/>
-              <a:t>6/15/2017</a:t>
+              <a:t>7/3/2017</a:t>
             </a:fld>
             <a:endParaRPr lang="en-US"/>
           </a:p>
@@ -1061,7 +1061,7 @@
             <a:fld id="{1D8BD707-D9CF-40AE-B4C6-C98DA3205C09}" type="datetimeFigureOut">
               <a:rPr lang="en-US" smtClean="0"/>
               <a:pPr/>
-              <a:t>6/15/2017</a:t>
+              <a:t>7/3/2017</a:t>
             </a:fld>
             <a:endParaRPr lang="en-US"/>
           </a:p>
@@ -1346,7 +1346,7 @@
             <a:fld id="{1D8BD707-D9CF-40AE-B4C6-C98DA3205C09}" type="datetimeFigureOut">
               <a:rPr lang="en-US" smtClean="0"/>
               <a:pPr/>
-              <a:t>6/15/2017</a:t>
+              <a:t>7/3/2017</a:t>
             </a:fld>
             <a:endParaRPr lang="en-US"/>
           </a:p>
@@ -1765,7 +1765,7 @@
             <a:fld id="{1D8BD707-D9CF-40AE-B4C6-C98DA3205C09}" type="datetimeFigureOut">
               <a:rPr lang="en-US" smtClean="0"/>
               <a:pPr/>
-              <a:t>6/15/2017</a:t>
+              <a:t>7/3/2017</a:t>
             </a:fld>
             <a:endParaRPr lang="en-US"/>
           </a:p>
@@ -1880,7 +1880,7 @@
             <a:fld id="{1D8BD707-D9CF-40AE-B4C6-C98DA3205C09}" type="datetimeFigureOut">
               <a:rPr lang="en-US" smtClean="0"/>
               <a:pPr/>
-              <a:t>6/15/2017</a:t>
+              <a:t>7/3/2017</a:t>
             </a:fld>
             <a:endParaRPr lang="en-US"/>
           </a:p>
@@ -1972,7 +1972,7 @@
             <a:fld id="{1D8BD707-D9CF-40AE-B4C6-C98DA3205C09}" type="datetimeFigureOut">
               <a:rPr lang="en-US" smtClean="0"/>
               <a:pPr/>
-              <a:t>6/15/2017</a:t>
+              <a:t>7/3/2017</a:t>
             </a:fld>
             <a:endParaRPr lang="en-US"/>
           </a:p>
@@ -2246,7 +2246,7 @@
             <a:fld id="{1D8BD707-D9CF-40AE-B4C6-C98DA3205C09}" type="datetimeFigureOut">
               <a:rPr lang="en-US" smtClean="0"/>
               <a:pPr/>
-              <a:t>6/15/2017</a:t>
+              <a:t>7/3/2017</a:t>
             </a:fld>
             <a:endParaRPr lang="en-US"/>
           </a:p>
@@ -2496,7 +2496,7 @@
             <a:fld id="{1D8BD707-D9CF-40AE-B4C6-C98DA3205C09}" type="datetimeFigureOut">
               <a:rPr lang="en-US" smtClean="0"/>
               <a:pPr/>
-              <a:t>6/15/2017</a:t>
+              <a:t>7/3/2017</a:t>
             </a:fld>
             <a:endParaRPr lang="en-US"/>
           </a:p>
@@ -2706,7 +2706,7 @@
             <a:fld id="{1D8BD707-D9CF-40AE-B4C6-C98DA3205C09}" type="datetimeFigureOut">
               <a:rPr lang="en-US" smtClean="0"/>
               <a:pPr/>
-              <a:t>6/15/2017</a:t>
+              <a:t>7/3/2017</a:t>
             </a:fld>
             <a:endParaRPr lang="en-US"/>
           </a:p>
@@ -3138,27 +3138,18 @@
                   </a:schemeClr>
                 </a:solidFill>
               </a:rPr>
-              <a:t>Andrew </a:t>
-            </a:r>
-            <a:r>
-              <a:rPr lang="en-US" sz="2400" dirty="0" err="1" smtClean="0">
+              <a:t>Portland </a:t>
+            </a:r>
+            <a:r>
+              <a:rPr lang="en-US" sz="2400" dirty="0" smtClean="0">
                 <a:solidFill>
                   <a:schemeClr val="accent1">
                     <a:lumMod val="75000"/>
                   </a:schemeClr>
                 </a:solidFill>
               </a:rPr>
-              <a:t>Ferlitsch</a:t>
-            </a:r>
-            <a:endParaRPr lang="en-US" sz="2400" dirty="0" smtClean="0">
-              <a:solidFill>
-                <a:schemeClr val="accent1">
-                  <a:lumMod val="75000"/>
-                </a:schemeClr>
-              </a:solidFill>
-            </a:endParaRPr>
-          </a:p>
-          <a:p>
+              <a:t>Data Science </a:t>
+            </a:r>
             <a:r>
               <a:rPr lang="en-US" sz="2400" dirty="0" smtClean="0">
                 <a:solidFill>
@@ -3167,7 +3158,7 @@
                   </a:schemeClr>
                 </a:solidFill>
               </a:rPr>
-              <a:t>Portland Data Science Group, </a:t>
+              <a:t>Group</a:t>
             </a:r>
             <a:br>
               <a:rPr lang="en-US" sz="2400" dirty="0" smtClean="0">
@@ -3186,32 +3177,179 @@
                   </a:schemeClr>
                 </a:solidFill>
               </a:rPr>
-              <a:t>Community </a:t>
-            </a:r>
-            <a:r>
-              <a:rPr lang="en-US" sz="2400" smtClean="0">
+              <a:t>Andrew </a:t>
+            </a:r>
+            <a:r>
+              <a:rPr lang="en-US" sz="2400" dirty="0" err="1" smtClean="0">
                 <a:solidFill>
                   <a:schemeClr val="accent1">
                     <a:lumMod val="75000"/>
                   </a:schemeClr>
                 </a:solidFill>
               </a:rPr>
-              <a:t>Outreach </a:t>
-            </a:r>
-          </a:p>
-          <a:p>
-            <a:r>
-              <a:rPr lang="en-US" sz="1800" smtClean="0"/>
-              <a:t>June</a:t>
-            </a:r>
+              <a:t>Ferlitsch</a:t>
+            </a:r>
+            <a:r>
+              <a:rPr lang="en-US" sz="2400" dirty="0" smtClean="0">
+                <a:solidFill>
+                  <a:schemeClr val="accent1">
+                    <a:lumMod val="75000"/>
+                  </a:schemeClr>
+                </a:solidFill>
+              </a:rPr>
+              <a:t/>
+            </a:r>
+            <a:br>
+              <a:rPr lang="en-US" sz="2400" dirty="0" smtClean="0">
+                <a:solidFill>
+                  <a:schemeClr val="accent1">
+                    <a:lumMod val="75000"/>
+                  </a:schemeClr>
+                </a:solidFill>
+              </a:rPr>
+            </a:br>
+            <a:r>
+              <a:rPr lang="en-US" sz="2400" dirty="0" smtClean="0">
+                <a:solidFill>
+                  <a:schemeClr val="accent1">
+                    <a:lumMod val="75000"/>
+                  </a:schemeClr>
+                </a:solidFill>
+              </a:rPr>
+              <a:t>Community Outreach </a:t>
+            </a:r>
+          </a:p>
+          <a:p>
             <a:r>
               <a:rPr lang="en-US" sz="1800" dirty="0" smtClean="0"/>
-              <a:t>, 2017</a:t>
+              <a:t>June, 2017</a:t>
             </a:r>
             <a:endParaRPr lang="en-US" sz="1800" dirty="0"/>
           </a:p>
         </p:txBody>
       </p:sp>
+      <p:sp>
+        <p:nvSpPr>
+          <p:cNvPr id="5" name="Rectangle 4"/>
+          <p:cNvSpPr/>
+          <p:nvPr/>
+        </p:nvSpPr>
+        <p:spPr>
+          <a:xfrm>
+            <a:off x="7543800" y="5934075"/>
+            <a:ext cx="1447800" cy="762000"/>
+          </a:xfrm>
+          <a:prstGeom prst="rect">
+            <a:avLst/>
+          </a:prstGeom>
+        </p:spPr>
+        <p:style>
+          <a:lnRef idx="2">
+            <a:schemeClr val="accent1">
+              <a:shade val="50000"/>
+            </a:schemeClr>
+          </a:lnRef>
+          <a:fillRef idx="1">
+            <a:schemeClr val="accent1"/>
+          </a:fillRef>
+          <a:effectRef idx="0">
+            <a:schemeClr val="accent1"/>
+          </a:effectRef>
+          <a:fontRef idx="minor">
+            <a:schemeClr val="lt1"/>
+          </a:fontRef>
+        </p:style>
+        <p:txBody>
+          <a:bodyPr rtlCol="0" anchor="ctr"/>
+          <a:lstStyle/>
+          <a:p>
+            <a:pPr algn="ctr"/>
+            <a:endParaRPr lang="en-US"/>
+          </a:p>
+        </p:txBody>
+      </p:sp>
+      <p:pic>
+        <p:nvPicPr>
+          <p:cNvPr id="6" name="Picture 3" descr="C:\Users\Andrew\Desktop\cc_icon_white_x2.png"/>
+          <p:cNvPicPr>
+            <a:picLocks noChangeAspect="1" noChangeArrowheads="1"/>
+          </p:cNvPicPr>
+          <p:nvPr/>
+        </p:nvPicPr>
+        <p:blipFill>
+          <a:blip r:embed="rId2">
+            <a:extLst>
+              <a:ext uri="{28A0092B-C50C-407E-A947-70E740481C1C}">
+                <a14:useLocalDpi xmlns:a14="http://schemas.microsoft.com/office/drawing/2010/main" val="0"/>
+              </a:ext>
+            </a:extLst>
+          </a:blip>
+          <a:srcRect/>
+          <a:stretch>
+            <a:fillRect/>
+          </a:stretch>
+        </p:blipFill>
+        <p:spPr bwMode="auto">
+          <a:xfrm>
+            <a:off x="7607300" y="6010275"/>
+            <a:ext cx="609600" cy="609600"/>
+          </a:xfrm>
+          <a:prstGeom prst="rect">
+            <a:avLst/>
+          </a:prstGeom>
+          <a:noFill/>
+          <a:extLst>
+            <a:ext uri="{909E8E84-426E-40DD-AFC4-6F175D3DCCD1}">
+              <a14:hiddenFill xmlns:a14="http://schemas.microsoft.com/office/drawing/2010/main">
+                <a:solidFill>
+                  <a:srgbClr val="FFFFFF"/>
+                </a:solidFill>
+              </a14:hiddenFill>
+            </a:ext>
+          </a:extLst>
+        </p:spPr>
+      </p:pic>
+      <p:pic>
+        <p:nvPicPr>
+          <p:cNvPr id="7" name="Picture 4" descr="C:\Users\Andrew\Desktop\attribution_icon_white_x2.png"/>
+          <p:cNvPicPr>
+            <a:picLocks noChangeAspect="1" noChangeArrowheads="1"/>
+          </p:cNvPicPr>
+          <p:nvPr/>
+        </p:nvPicPr>
+        <p:blipFill>
+          <a:blip r:embed="rId3">
+            <a:extLst>
+              <a:ext uri="{28A0092B-C50C-407E-A947-70E740481C1C}">
+                <a14:useLocalDpi xmlns:a14="http://schemas.microsoft.com/office/drawing/2010/main" val="0"/>
+              </a:ext>
+            </a:extLst>
+          </a:blip>
+          <a:srcRect/>
+          <a:stretch>
+            <a:fillRect/>
+          </a:stretch>
+        </p:blipFill>
+        <p:spPr bwMode="auto">
+          <a:xfrm>
+            <a:off x="8296275" y="6022975"/>
+            <a:ext cx="596900" cy="596900"/>
+          </a:xfrm>
+          <a:prstGeom prst="rect">
+            <a:avLst/>
+          </a:prstGeom>
+          <a:noFill/>
+          <a:extLst>
+            <a:ext uri="{909E8E84-426E-40DD-AFC4-6F175D3DCCD1}">
+              <a14:hiddenFill xmlns:a14="http://schemas.microsoft.com/office/drawing/2010/main">
+                <a:solidFill>
+                  <a:srgbClr val="FFFFFF"/>
+                </a:solidFill>
+              </a14:hiddenFill>
+            </a:ext>
+          </a:extLst>
+        </p:spPr>
+      </p:pic>
     </p:spTree>
     <p:extLst>
       <p:ext uri="{BB962C8B-B14F-4D97-AF65-F5344CB8AC3E}">
@@ -11048,24 +11186,7 @@
                 <a:ea typeface="Verdana" panose="020B0604030504040204" pitchFamily="34" charset="0"/>
                 <a:cs typeface="Verdana" panose="020B0604030504040204" pitchFamily="34" charset="0"/>
               </a:rPr>
-              <a:t>  </a:t>
-            </a:r>
-            <a:r>
-              <a:rPr kumimoji="0" lang="en-US" altLang="en-US" sz="1400" b="1" i="0" u="none" strike="noStrike" cap="none" normalizeH="0" baseline="0" dirty="0" smtClean="0">
-                <a:ln>
-                  <a:noFill/>
-                </a:ln>
-                <a:solidFill>
-                  <a:schemeClr val="accent5">
-                    <a:lumMod val="50000"/>
-                  </a:schemeClr>
-                </a:solidFill>
-                <a:effectLst/>
-                <a:latin typeface="Verdana" panose="020B0604030504040204" pitchFamily="34" charset="0"/>
-                <a:ea typeface="Verdana" panose="020B0604030504040204" pitchFamily="34" charset="0"/>
-                <a:cs typeface="Verdana" panose="020B0604030504040204" pitchFamily="34" charset="0"/>
-              </a:rPr>
-              <a:t>= </a:t>
+              <a:t>  = </a:t>
             </a:r>
             <a:r>
               <a:rPr kumimoji="0" lang="en-US" altLang="en-US" sz="1400" b="1" i="0" u="none" strike="noStrike" cap="none" normalizeH="0" baseline="0" dirty="0" err="1" smtClean="0">
@@ -11179,20 +11300,7 @@
                 <a:ea typeface="Verdana" panose="020B0604030504040204" pitchFamily="34" charset="0"/>
                 <a:cs typeface="Verdana" panose="020B0604030504040204" pitchFamily="34" charset="0"/>
               </a:rPr>
-              <a:t>b  </a:t>
-            </a:r>
-            <a:r>
-              <a:rPr lang="en-US" altLang="en-US" sz="1400" b="1" dirty="0" smtClean="0">
-                <a:solidFill>
-                  <a:schemeClr val="accent5">
-                    <a:lumMod val="50000"/>
-                  </a:schemeClr>
-                </a:solidFill>
-                <a:latin typeface="Verdana" panose="020B0604030504040204" pitchFamily="34" charset="0"/>
-                <a:ea typeface="Verdana" panose="020B0604030504040204" pitchFamily="34" charset="0"/>
-                <a:cs typeface="Verdana" panose="020B0604030504040204" pitchFamily="34" charset="0"/>
-              </a:rPr>
-              <a:t>= </a:t>
+              <a:t>b  = </a:t>
             </a:r>
             <a:r>
               <a:rPr lang="en-US" altLang="en-US" sz="1400" b="1" dirty="0" err="1" smtClean="0">
@@ -11369,59 +11477,7 @@
                 <a:ea typeface="Verdana" panose="020B0604030504040204" pitchFamily="34" charset="0"/>
                 <a:cs typeface="Verdana" panose="020B0604030504040204" pitchFamily="34" charset="0"/>
               </a:rPr>
-              <a:t> = </a:t>
-            </a:r>
-            <a:r>
-              <a:rPr lang="en-US" altLang="en-US" sz="1400" b="1" dirty="0" smtClean="0">
-                <a:solidFill>
-                  <a:schemeClr val="accent5">
-                    <a:lumMod val="50000"/>
-                  </a:schemeClr>
-                </a:solidFill>
-                <a:latin typeface="Verdana" panose="020B0604030504040204" pitchFamily="34" charset="0"/>
-                <a:ea typeface="Verdana" panose="020B0604030504040204" pitchFamily="34" charset="0"/>
-                <a:cs typeface="Verdana" panose="020B0604030504040204" pitchFamily="34" charset="0"/>
-              </a:rPr>
-              <a:t>a  </a:t>
-            </a:r>
-            <a:r>
-              <a:rPr lang="en-US" altLang="en-US" sz="1400" b="1" dirty="0" smtClean="0">
-                <a:solidFill>
-                  <a:schemeClr val="accent5">
-                    <a:lumMod val="50000"/>
-                  </a:schemeClr>
-                </a:solidFill>
-                <a:latin typeface="Verdana" panose="020B0604030504040204" pitchFamily="34" charset="0"/>
-                <a:ea typeface="Verdana" panose="020B0604030504040204" pitchFamily="34" charset="0"/>
-                <a:cs typeface="Verdana" panose="020B0604030504040204" pitchFamily="34" charset="0"/>
-              </a:rPr>
-              <a:t>+ </a:t>
-            </a:r>
-            <a:r>
-              <a:rPr lang="en-US" altLang="en-US" sz="1400" b="1" dirty="0" smtClean="0">
-                <a:solidFill>
-                  <a:schemeClr val="accent5">
-                    <a:lumMod val="50000"/>
-                  </a:schemeClr>
-                </a:solidFill>
-                <a:latin typeface="Verdana" panose="020B0604030504040204" pitchFamily="34" charset="0"/>
-                <a:ea typeface="Verdana" panose="020B0604030504040204" pitchFamily="34" charset="0"/>
-                <a:cs typeface="Verdana" panose="020B0604030504040204" pitchFamily="34" charset="0"/>
-              </a:rPr>
-              <a:t>b </a:t>
-            </a:r>
-            <a:r>
-              <a:rPr lang="en-US" altLang="en-US" sz="1400" b="1" dirty="0" smtClean="0">
-                <a:solidFill>
-                  <a:schemeClr val="accent5">
-                    <a:lumMod val="50000"/>
-                  </a:schemeClr>
-                </a:solidFill>
-                <a:latin typeface="Verdana" panose="020B0604030504040204" pitchFamily="34" charset="0"/>
-                <a:ea typeface="Verdana" panose="020B0604030504040204" pitchFamily="34" charset="0"/>
-                <a:cs typeface="Verdana" panose="020B0604030504040204" pitchFamily="34" charset="0"/>
-              </a:rPr>
-              <a:t>* x 			</a:t>
+              <a:t> = a  + b * x 			</a:t>
             </a:r>
             <a:r>
               <a:rPr lang="en-US" altLang="en-US" sz="1400" b="1" dirty="0" smtClean="0">

--- a/Presentations/ML Tensorflow Intro.pptx
+++ b/Presentations/ML Tensorflow Intro.pptx
@@ -307,7 +307,7 @@
             <a:fld id="{1D8BD707-D9CF-40AE-B4C6-C98DA3205C09}" type="datetimeFigureOut">
               <a:rPr lang="en-US" smtClean="0"/>
               <a:pPr/>
-              <a:t>7/3/2017</a:t>
+              <a:t>7/4/2017</a:t>
             </a:fld>
             <a:endParaRPr lang="en-US"/>
           </a:p>
@@ -474,7 +474,7 @@
             <a:fld id="{1D8BD707-D9CF-40AE-B4C6-C98DA3205C09}" type="datetimeFigureOut">
               <a:rPr lang="en-US" smtClean="0"/>
               <a:pPr/>
-              <a:t>7/3/2017</a:t>
+              <a:t>7/4/2017</a:t>
             </a:fld>
             <a:endParaRPr lang="en-US"/>
           </a:p>
@@ -651,7 +651,7 @@
             <a:fld id="{1D8BD707-D9CF-40AE-B4C6-C98DA3205C09}" type="datetimeFigureOut">
               <a:rPr lang="en-US" smtClean="0"/>
               <a:pPr/>
-              <a:t>7/3/2017</a:t>
+              <a:t>7/4/2017</a:t>
             </a:fld>
             <a:endParaRPr lang="en-US"/>
           </a:p>
@@ -818,7 +818,7 @@
             <a:fld id="{1D8BD707-D9CF-40AE-B4C6-C98DA3205C09}" type="datetimeFigureOut">
               <a:rPr lang="en-US" smtClean="0"/>
               <a:pPr/>
-              <a:t>7/3/2017</a:t>
+              <a:t>7/4/2017</a:t>
             </a:fld>
             <a:endParaRPr lang="en-US"/>
           </a:p>
@@ -1061,7 +1061,7 @@
             <a:fld id="{1D8BD707-D9CF-40AE-B4C6-C98DA3205C09}" type="datetimeFigureOut">
               <a:rPr lang="en-US" smtClean="0"/>
               <a:pPr/>
-              <a:t>7/3/2017</a:t>
+              <a:t>7/4/2017</a:t>
             </a:fld>
             <a:endParaRPr lang="en-US"/>
           </a:p>
@@ -1346,7 +1346,7 @@
             <a:fld id="{1D8BD707-D9CF-40AE-B4C6-C98DA3205C09}" type="datetimeFigureOut">
               <a:rPr lang="en-US" smtClean="0"/>
               <a:pPr/>
-              <a:t>7/3/2017</a:t>
+              <a:t>7/4/2017</a:t>
             </a:fld>
             <a:endParaRPr lang="en-US"/>
           </a:p>
@@ -1765,7 +1765,7 @@
             <a:fld id="{1D8BD707-D9CF-40AE-B4C6-C98DA3205C09}" type="datetimeFigureOut">
               <a:rPr lang="en-US" smtClean="0"/>
               <a:pPr/>
-              <a:t>7/3/2017</a:t>
+              <a:t>7/4/2017</a:t>
             </a:fld>
             <a:endParaRPr lang="en-US"/>
           </a:p>
@@ -1880,7 +1880,7 @@
             <a:fld id="{1D8BD707-D9CF-40AE-B4C6-C98DA3205C09}" type="datetimeFigureOut">
               <a:rPr lang="en-US" smtClean="0"/>
               <a:pPr/>
-              <a:t>7/3/2017</a:t>
+              <a:t>7/4/2017</a:t>
             </a:fld>
             <a:endParaRPr lang="en-US"/>
           </a:p>
@@ -1972,7 +1972,7 @@
             <a:fld id="{1D8BD707-D9CF-40AE-B4C6-C98DA3205C09}" type="datetimeFigureOut">
               <a:rPr lang="en-US" smtClean="0"/>
               <a:pPr/>
-              <a:t>7/3/2017</a:t>
+              <a:t>7/4/2017</a:t>
             </a:fld>
             <a:endParaRPr lang="en-US"/>
           </a:p>
@@ -2246,7 +2246,7 @@
             <a:fld id="{1D8BD707-D9CF-40AE-B4C6-C98DA3205C09}" type="datetimeFigureOut">
               <a:rPr lang="en-US" smtClean="0"/>
               <a:pPr/>
-              <a:t>7/3/2017</a:t>
+              <a:t>7/4/2017</a:t>
             </a:fld>
             <a:endParaRPr lang="en-US"/>
           </a:p>
@@ -2496,7 +2496,7 @@
             <a:fld id="{1D8BD707-D9CF-40AE-B4C6-C98DA3205C09}" type="datetimeFigureOut">
               <a:rPr lang="en-US" smtClean="0"/>
               <a:pPr/>
-              <a:t>7/3/2017</a:t>
+              <a:t>7/4/2017</a:t>
             </a:fld>
             <a:endParaRPr lang="en-US"/>
           </a:p>
@@ -2706,7 +2706,7 @@
             <a:fld id="{1D8BD707-D9CF-40AE-B4C6-C98DA3205C09}" type="datetimeFigureOut">
               <a:rPr lang="en-US" smtClean="0"/>
               <a:pPr/>
-              <a:t>7/3/2017</a:t>
+              <a:t>7/4/2017</a:t>
             </a:fld>
             <a:endParaRPr lang="en-US"/>
           </a:p>
@@ -3138,9 +3138,9 @@
                   </a:schemeClr>
                 </a:solidFill>
               </a:rPr>
-              <a:t>Portland </a:t>
-            </a:r>
-            <a:r>
+              <a:t>Portland Data Science Group</a:t>
+            </a:r>
+            <a:br>
               <a:rPr lang="en-US" sz="2400" dirty="0" smtClean="0">
                 <a:solidFill>
                   <a:schemeClr val="accent1">
@@ -3148,36 +3148,16 @@
                   </a:schemeClr>
                 </a:solidFill>
               </a:rPr>
-              <a:t>Data Science </a:t>
-            </a:r>
-            <a:r>
-              <a:rPr lang="en-US" sz="2400" dirty="0" smtClean="0">
+            </a:br>
+            <a:r>
+              <a:rPr lang="en-US" sz="2400" smtClean="0">
                 <a:solidFill>
                   <a:schemeClr val="accent1">
                     <a:lumMod val="75000"/>
                   </a:schemeClr>
                 </a:solidFill>
               </a:rPr>
-              <a:t>Group</a:t>
-            </a:r>
-            <a:br>
-              <a:rPr lang="en-US" sz="2400" dirty="0" smtClean="0">
-                <a:solidFill>
-                  <a:schemeClr val="accent1">
-                    <a:lumMod val="75000"/>
-                  </a:schemeClr>
-                </a:solidFill>
-              </a:rPr>
-            </a:br>
-            <a:r>
-              <a:rPr lang="en-US" sz="2400" dirty="0" smtClean="0">
-                <a:solidFill>
-                  <a:schemeClr val="accent1">
-                    <a:lumMod val="75000"/>
-                  </a:schemeClr>
-                </a:solidFill>
-              </a:rPr>
-              <a:t>Andrew </a:t>
+              <a:t>Created by Andrew </a:t>
             </a:r>
             <a:r>
               <a:rPr lang="en-US" sz="2400" dirty="0" err="1" smtClean="0">

--- a/Presentations/ML Tensorflow Intro.pptx
+++ b/Presentations/ML Tensorflow Intro.pptx
@@ -307,7 +307,7 @@
             <a:fld id="{1D8BD707-D9CF-40AE-B4C6-C98DA3205C09}" type="datetimeFigureOut">
               <a:rPr lang="en-US" smtClean="0"/>
               <a:pPr/>
-              <a:t>7/4/2017</a:t>
+              <a:t>7/24/2017</a:t>
             </a:fld>
             <a:endParaRPr lang="en-US"/>
           </a:p>
@@ -474,7 +474,7 @@
             <a:fld id="{1D8BD707-D9CF-40AE-B4C6-C98DA3205C09}" type="datetimeFigureOut">
               <a:rPr lang="en-US" smtClean="0"/>
               <a:pPr/>
-              <a:t>7/4/2017</a:t>
+              <a:t>7/24/2017</a:t>
             </a:fld>
             <a:endParaRPr lang="en-US"/>
           </a:p>
@@ -651,7 +651,7 @@
             <a:fld id="{1D8BD707-D9CF-40AE-B4C6-C98DA3205C09}" type="datetimeFigureOut">
               <a:rPr lang="en-US" smtClean="0"/>
               <a:pPr/>
-              <a:t>7/4/2017</a:t>
+              <a:t>7/24/2017</a:t>
             </a:fld>
             <a:endParaRPr lang="en-US"/>
           </a:p>
@@ -818,7 +818,7 @@
             <a:fld id="{1D8BD707-D9CF-40AE-B4C6-C98DA3205C09}" type="datetimeFigureOut">
               <a:rPr lang="en-US" smtClean="0"/>
               <a:pPr/>
-              <a:t>7/4/2017</a:t>
+              <a:t>7/24/2017</a:t>
             </a:fld>
             <a:endParaRPr lang="en-US"/>
           </a:p>
@@ -1061,7 +1061,7 @@
             <a:fld id="{1D8BD707-D9CF-40AE-B4C6-C98DA3205C09}" type="datetimeFigureOut">
               <a:rPr lang="en-US" smtClean="0"/>
               <a:pPr/>
-              <a:t>7/4/2017</a:t>
+              <a:t>7/24/2017</a:t>
             </a:fld>
             <a:endParaRPr lang="en-US"/>
           </a:p>
@@ -1346,7 +1346,7 @@
             <a:fld id="{1D8BD707-D9CF-40AE-B4C6-C98DA3205C09}" type="datetimeFigureOut">
               <a:rPr lang="en-US" smtClean="0"/>
               <a:pPr/>
-              <a:t>7/4/2017</a:t>
+              <a:t>7/24/2017</a:t>
             </a:fld>
             <a:endParaRPr lang="en-US"/>
           </a:p>
@@ -1765,7 +1765,7 @@
             <a:fld id="{1D8BD707-D9CF-40AE-B4C6-C98DA3205C09}" type="datetimeFigureOut">
               <a:rPr lang="en-US" smtClean="0"/>
               <a:pPr/>
-              <a:t>7/4/2017</a:t>
+              <a:t>7/24/2017</a:t>
             </a:fld>
             <a:endParaRPr lang="en-US"/>
           </a:p>
@@ -1880,7 +1880,7 @@
             <a:fld id="{1D8BD707-D9CF-40AE-B4C6-C98DA3205C09}" type="datetimeFigureOut">
               <a:rPr lang="en-US" smtClean="0"/>
               <a:pPr/>
-              <a:t>7/4/2017</a:t>
+              <a:t>7/24/2017</a:t>
             </a:fld>
             <a:endParaRPr lang="en-US"/>
           </a:p>
@@ -1972,7 +1972,7 @@
             <a:fld id="{1D8BD707-D9CF-40AE-B4C6-C98DA3205C09}" type="datetimeFigureOut">
               <a:rPr lang="en-US" smtClean="0"/>
               <a:pPr/>
-              <a:t>7/4/2017</a:t>
+              <a:t>7/24/2017</a:t>
             </a:fld>
             <a:endParaRPr lang="en-US"/>
           </a:p>
@@ -2246,7 +2246,7 @@
             <a:fld id="{1D8BD707-D9CF-40AE-B4C6-C98DA3205C09}" type="datetimeFigureOut">
               <a:rPr lang="en-US" smtClean="0"/>
               <a:pPr/>
-              <a:t>7/4/2017</a:t>
+              <a:t>7/24/2017</a:t>
             </a:fld>
             <a:endParaRPr lang="en-US"/>
           </a:p>
@@ -2496,7 +2496,7 @@
             <a:fld id="{1D8BD707-D9CF-40AE-B4C6-C98DA3205C09}" type="datetimeFigureOut">
               <a:rPr lang="en-US" smtClean="0"/>
               <a:pPr/>
-              <a:t>7/4/2017</a:t>
+              <a:t>7/24/2017</a:t>
             </a:fld>
             <a:endParaRPr lang="en-US"/>
           </a:p>
@@ -2706,7 +2706,7 @@
             <a:fld id="{1D8BD707-D9CF-40AE-B4C6-C98DA3205C09}" type="datetimeFigureOut">
               <a:rPr lang="en-US" smtClean="0"/>
               <a:pPr/>
-              <a:t>7/4/2017</a:t>
+              <a:t>7/24/2017</a:t>
             </a:fld>
             <a:endParaRPr lang="en-US"/>
           </a:p>
@@ -4423,8 +4423,13 @@
           <a:p>
             <a:r>
               <a:rPr lang="en-US" sz="1600" dirty="0" smtClean="0"/>
-              <a:t>and applies the tensor add operation. Since these are scalar’</a:t>
-            </a:r>
+              <a:t>and applies the tensor add operation. Since these are </a:t>
+            </a:r>
+            <a:r>
+              <a:rPr lang="en-US" sz="1600" dirty="0" smtClean="0"/>
+              <a:t>scalar</a:t>
+            </a:r>
+            <a:endParaRPr lang="en-US" sz="1600" dirty="0" smtClean="0"/>
           </a:p>
           <a:p>
             <a:r>
@@ -4605,7 +4610,7 @@
         <p:spPr bwMode="auto">
           <a:xfrm>
             <a:off x="381000" y="1536412"/>
-            <a:ext cx="7696200" cy="1169551"/>
+            <a:ext cx="8458200" cy="1169551"/>
           </a:xfrm>
           <a:prstGeom prst="rect">
             <a:avLst/>
@@ -4767,7 +4772,22 @@
                 <a:ea typeface="Verdana" panose="020B0604030504040204" pitchFamily="34" charset="0"/>
                 <a:cs typeface="Verdana" panose="020B0604030504040204" pitchFamily="34" charset="0"/>
               </a:rPr>
-              <a:t># import the </a:t>
+              <a:t># </a:t>
+            </a:r>
+            <a:r>
+              <a:rPr kumimoji="0" lang="en-US" altLang="en-US" sz="1400" b="1" i="0" u="none" strike="noStrike" cap="none" normalizeH="0" baseline="0" dirty="0" smtClean="0">
+                <a:ln>
+                  <a:noFill/>
+                </a:ln>
+                <a:solidFill>
+                  <a:srgbClr val="00B050"/>
+                </a:solidFill>
+                <a:effectLst/>
+                <a:latin typeface="Verdana" panose="020B0604030504040204" pitchFamily="34" charset="0"/>
+                <a:ea typeface="Verdana" panose="020B0604030504040204" pitchFamily="34" charset="0"/>
+                <a:cs typeface="Verdana" panose="020B0604030504040204" pitchFamily="34" charset="0"/>
+              </a:rPr>
+              <a:t>import the </a:t>
             </a:r>
             <a:r>
               <a:rPr kumimoji="0" lang="en-US" altLang="en-US" sz="1400" b="1" i="0" u="none" strike="noStrike" cap="none" normalizeH="0" baseline="0" dirty="0" err="1" smtClean="0">
@@ -4936,7 +4956,24 @@
                 <a:ea typeface="Verdana" panose="020B0604030504040204" pitchFamily="34" charset="0"/>
                 <a:cs typeface="Verdana" panose="020B0604030504040204" pitchFamily="34" charset="0"/>
               </a:rPr>
-              <a:t> )	</a:t>
+              <a:t> )</a:t>
+            </a:r>
+            <a:r>
+              <a:rPr kumimoji="0" lang="en-US" altLang="en-US" sz="1400" b="1" i="0" u="none" strike="noStrike" cap="none" normalizeH="0" baseline="0" dirty="0" smtClean="0">
+                <a:ln>
+                  <a:noFill/>
+                </a:ln>
+                <a:solidFill>
+                  <a:schemeClr val="accent5">
+                    <a:lumMod val="50000"/>
+                  </a:schemeClr>
+                </a:solidFill>
+                <a:effectLst/>
+                <a:latin typeface="Verdana" panose="020B0604030504040204" pitchFamily="34" charset="0"/>
+                <a:ea typeface="Verdana" panose="020B0604030504040204" pitchFamily="34" charset="0"/>
+                <a:cs typeface="Verdana" panose="020B0604030504040204" pitchFamily="34" charset="0"/>
+              </a:rPr>
+              <a:t>	</a:t>
             </a:r>
             <a:r>
               <a:rPr kumimoji="0" lang="en-US" altLang="en-US" sz="1400" b="1" i="0" u="none" strike="noStrike" cap="none" normalizeH="0" baseline="0" dirty="0" smtClean="0">
@@ -5034,7 +5071,20 @@
                 <a:ea typeface="Verdana" panose="020B0604030504040204" pitchFamily="34" charset="0"/>
                 <a:cs typeface="Verdana" panose="020B0604030504040204" pitchFamily="34" charset="0"/>
               </a:rPr>
-              <a:t> )</a:t>
+              <a:t> </a:t>
+            </a:r>
+            <a:r>
+              <a:rPr lang="en-US" altLang="en-US" sz="1400" b="1" dirty="0" smtClean="0">
+                <a:solidFill>
+                  <a:schemeClr val="accent5">
+                    <a:lumMod val="50000"/>
+                  </a:schemeClr>
+                </a:solidFill>
+                <a:latin typeface="Verdana" panose="020B0604030504040204" pitchFamily="34" charset="0"/>
+                <a:ea typeface="Verdana" panose="020B0604030504040204" pitchFamily="34" charset="0"/>
+                <a:cs typeface="Verdana" panose="020B0604030504040204" pitchFamily="34" charset="0"/>
+              </a:rPr>
+              <a:t>)</a:t>
             </a:r>
             <a:endParaRPr kumimoji="0" lang="en-US" altLang="en-US" sz="1400" b="1" i="0" u="none" strike="noStrike" cap="none" normalizeH="0" baseline="0" dirty="0" smtClean="0">
               <a:ln>
@@ -5116,7 +5166,18 @@
                 <a:ea typeface="Verdana" panose="020B0604030504040204" pitchFamily="34" charset="0"/>
                 <a:cs typeface="Verdana" panose="020B0604030504040204" pitchFamily="34" charset="0"/>
               </a:rPr>
-              <a:t># add inputs x1 and x2</a:t>
+              <a:t># </a:t>
+            </a:r>
+            <a:r>
+              <a:rPr lang="en-US" altLang="en-US" sz="1400" b="1" dirty="0" smtClean="0">
+                <a:solidFill>
+                  <a:srgbClr val="00B050"/>
+                </a:solidFill>
+                <a:latin typeface="Verdana" panose="020B0604030504040204" pitchFamily="34" charset="0"/>
+                <a:ea typeface="Verdana" panose="020B0604030504040204" pitchFamily="34" charset="0"/>
+                <a:cs typeface="Verdana" panose="020B0604030504040204" pitchFamily="34" charset="0"/>
+              </a:rPr>
+              <a:t>add inputs x1 and x2</a:t>
             </a:r>
             <a:endParaRPr kumimoji="0" lang="en-US" altLang="en-US" sz="1400" b="1" i="0" u="none" strike="noStrike" cap="none" normalizeH="0" baseline="0" dirty="0" smtClean="0">
               <a:ln>
@@ -5623,8 +5684,13 @@
           <a:p>
             <a:r>
               <a:rPr lang="en-US" sz="1600" dirty="0" smtClean="0"/>
-              <a:t>and applies the tensor add operation. Since these are scalar’</a:t>
-            </a:r>
+              <a:t>and applies the tensor add operation. Since these are </a:t>
+            </a:r>
+            <a:r>
+              <a:rPr lang="en-US" sz="1600" dirty="0" smtClean="0"/>
+              <a:t>scalar</a:t>
+            </a:r>
+            <a:endParaRPr lang="en-US" sz="1600" dirty="0" smtClean="0"/>
           </a:p>
           <a:p>
             <a:r>
@@ -5871,7 +5937,7 @@
         <p:spPr bwMode="auto">
           <a:xfrm>
             <a:off x="381000" y="1536412"/>
-            <a:ext cx="7696200" cy="1169551"/>
+            <a:ext cx="8610600" cy="1169551"/>
           </a:xfrm>
           <a:prstGeom prst="rect">
             <a:avLst/>
@@ -6026,6 +6092,23 @@
                   <a:noFill/>
                 </a:ln>
                 <a:solidFill>
+                  <a:schemeClr val="accent5">
+                    <a:lumMod val="50000"/>
+                  </a:schemeClr>
+                </a:solidFill>
+                <a:effectLst/>
+                <a:latin typeface="Verdana" panose="020B0604030504040204" pitchFamily="34" charset="0"/>
+                <a:ea typeface="Verdana" panose="020B0604030504040204" pitchFamily="34" charset="0"/>
+                <a:cs typeface="Verdana" panose="020B0604030504040204" pitchFamily="34" charset="0"/>
+              </a:rPr>
+              <a:t>	</a:t>
+            </a:r>
+            <a:r>
+              <a:rPr kumimoji="0" lang="en-US" altLang="en-US" sz="1400" b="1" i="0" u="none" strike="noStrike" cap="none" normalizeH="0" baseline="0" dirty="0" smtClean="0">
+                <a:ln>
+                  <a:noFill/>
+                </a:ln>
+                <a:solidFill>
                   <a:srgbClr val="00B050"/>
                 </a:solidFill>
                 <a:effectLst/>
@@ -6033,7 +6116,22 @@
                 <a:ea typeface="Verdana" panose="020B0604030504040204" pitchFamily="34" charset="0"/>
                 <a:cs typeface="Verdana" panose="020B0604030504040204" pitchFamily="34" charset="0"/>
               </a:rPr>
-              <a:t># import the </a:t>
+              <a:t># </a:t>
+            </a:r>
+            <a:r>
+              <a:rPr kumimoji="0" lang="en-US" altLang="en-US" sz="1400" b="1" i="0" u="none" strike="noStrike" cap="none" normalizeH="0" baseline="0" dirty="0" smtClean="0">
+                <a:ln>
+                  <a:noFill/>
+                </a:ln>
+                <a:solidFill>
+                  <a:srgbClr val="00B050"/>
+                </a:solidFill>
+                <a:effectLst/>
+                <a:latin typeface="Verdana" panose="020B0604030504040204" pitchFamily="34" charset="0"/>
+                <a:ea typeface="Verdana" panose="020B0604030504040204" pitchFamily="34" charset="0"/>
+                <a:cs typeface="Verdana" panose="020B0604030504040204" pitchFamily="34" charset="0"/>
+              </a:rPr>
+              <a:t>import the </a:t>
             </a:r>
             <a:r>
               <a:rPr kumimoji="0" lang="en-US" altLang="en-US" sz="1400" b="1" i="0" u="none" strike="noStrike" cap="none" normalizeH="0" baseline="0" dirty="0" err="1" smtClean="0">
@@ -6202,7 +6300,24 @@
                 <a:ea typeface="Verdana" panose="020B0604030504040204" pitchFamily="34" charset="0"/>
                 <a:cs typeface="Verdana" panose="020B0604030504040204" pitchFamily="34" charset="0"/>
               </a:rPr>
-              <a:t> )	</a:t>
+              <a:t>, shape=[2] )</a:t>
+            </a:r>
+            <a:r>
+              <a:rPr kumimoji="0" lang="en-US" altLang="en-US" sz="1400" b="1" i="0" u="none" strike="noStrike" cap="none" normalizeH="0" baseline="0" dirty="0" smtClean="0">
+                <a:ln>
+                  <a:noFill/>
+                </a:ln>
+                <a:solidFill>
+                  <a:schemeClr val="accent5">
+                    <a:lumMod val="50000"/>
+                  </a:schemeClr>
+                </a:solidFill>
+                <a:effectLst/>
+                <a:latin typeface="Verdana" panose="020B0604030504040204" pitchFamily="34" charset="0"/>
+                <a:ea typeface="Verdana" panose="020B0604030504040204" pitchFamily="34" charset="0"/>
+                <a:cs typeface="Verdana" panose="020B0604030504040204" pitchFamily="34" charset="0"/>
+              </a:rPr>
+              <a:t>	</a:t>
             </a:r>
             <a:r>
               <a:rPr kumimoji="0" lang="en-US" altLang="en-US" sz="1400" b="1" i="0" u="none" strike="noStrike" cap="none" normalizeH="0" baseline="0" dirty="0" smtClean="0">
@@ -6300,7 +6415,20 @@
                 <a:ea typeface="Verdana" panose="020B0604030504040204" pitchFamily="34" charset="0"/>
                 <a:cs typeface="Verdana" panose="020B0604030504040204" pitchFamily="34" charset="0"/>
               </a:rPr>
-              <a:t> )</a:t>
+              <a:t>, shape=[2] </a:t>
+            </a:r>
+            <a:r>
+              <a:rPr lang="en-US" altLang="en-US" sz="1400" b="1" dirty="0" smtClean="0">
+                <a:solidFill>
+                  <a:schemeClr val="accent5">
+                    <a:lumMod val="50000"/>
+                  </a:schemeClr>
+                </a:solidFill>
+                <a:latin typeface="Verdana" panose="020B0604030504040204" pitchFamily="34" charset="0"/>
+                <a:ea typeface="Verdana" panose="020B0604030504040204" pitchFamily="34" charset="0"/>
+                <a:cs typeface="Verdana" panose="020B0604030504040204" pitchFamily="34" charset="0"/>
+              </a:rPr>
+              <a:t>)</a:t>
             </a:r>
             <a:endParaRPr kumimoji="0" lang="en-US" altLang="en-US" sz="1400" b="1" i="0" u="none" strike="noStrike" cap="none" normalizeH="0" baseline="0" dirty="0" smtClean="0">
               <a:ln>
@@ -6376,13 +6504,37 @@
             <a:r>
               <a:rPr lang="en-US" altLang="en-US" sz="1400" b="1" dirty="0" smtClean="0">
                 <a:solidFill>
+                  <a:schemeClr val="accent5">
+                    <a:lumMod val="50000"/>
+                  </a:schemeClr>
+                </a:solidFill>
+                <a:latin typeface="Verdana" panose="020B0604030504040204" pitchFamily="34" charset="0"/>
+                <a:ea typeface="Verdana" panose="020B0604030504040204" pitchFamily="34" charset="0"/>
+                <a:cs typeface="Verdana" panose="020B0604030504040204" pitchFamily="34" charset="0"/>
+              </a:rPr>
+              <a:t>	</a:t>
+            </a:r>
+            <a:r>
+              <a:rPr lang="en-US" altLang="en-US" sz="1400" b="1" dirty="0" smtClean="0">
+                <a:solidFill>
                   <a:srgbClr val="00B050"/>
                 </a:solidFill>
                 <a:latin typeface="Verdana" panose="020B0604030504040204" pitchFamily="34" charset="0"/>
                 <a:ea typeface="Verdana" panose="020B0604030504040204" pitchFamily="34" charset="0"/>
                 <a:cs typeface="Verdana" panose="020B0604030504040204" pitchFamily="34" charset="0"/>
               </a:rPr>
-              <a:t># add inputs x1 and x2</a:t>
+              <a:t># </a:t>
+            </a:r>
+            <a:r>
+              <a:rPr lang="en-US" altLang="en-US" sz="1400" b="1" dirty="0" smtClean="0">
+                <a:solidFill>
+                  <a:srgbClr val="00B050"/>
+                </a:solidFill>
+                <a:latin typeface="Verdana" panose="020B0604030504040204" pitchFamily="34" charset="0"/>
+                <a:ea typeface="Verdana" panose="020B0604030504040204" pitchFamily="34" charset="0"/>
+                <a:cs typeface="Verdana" panose="020B0604030504040204" pitchFamily="34" charset="0"/>
+              </a:rPr>
+              <a:t>add inputs x1 and x2</a:t>
             </a:r>
             <a:endParaRPr kumimoji="0" lang="en-US" altLang="en-US" sz="1400" b="1" i="0" u="none" strike="noStrike" cap="none" normalizeH="0" baseline="0" dirty="0" smtClean="0">
               <a:ln>
@@ -7620,7 +7772,11 @@
           <a:p>
             <a:r>
               <a:rPr lang="en-US" sz="1600" dirty="0" smtClean="0"/>
-              <a:t>Product (weight) of the addition of</a:t>
+              <a:t>product </a:t>
+            </a:r>
+            <a:r>
+              <a:rPr lang="en-US" sz="1600" dirty="0" smtClean="0"/>
+              <a:t>(weight) of the addition of</a:t>
             </a:r>
           </a:p>
           <a:p>
@@ -9527,7 +9683,7 @@
         <p:spPr bwMode="auto">
           <a:xfrm>
             <a:off x="381000" y="1428690"/>
-            <a:ext cx="7696200" cy="1384995"/>
+            <a:ext cx="8458200" cy="1384995"/>
           </a:xfrm>
           <a:prstGeom prst="rect">
             <a:avLst/>
@@ -9682,6 +9838,23 @@
                   <a:noFill/>
                 </a:ln>
                 <a:solidFill>
+                  <a:schemeClr val="accent5">
+                    <a:lumMod val="50000"/>
+                  </a:schemeClr>
+                </a:solidFill>
+                <a:effectLst/>
+                <a:latin typeface="Verdana" panose="020B0604030504040204" pitchFamily="34" charset="0"/>
+                <a:ea typeface="Verdana" panose="020B0604030504040204" pitchFamily="34" charset="0"/>
+                <a:cs typeface="Verdana" panose="020B0604030504040204" pitchFamily="34" charset="0"/>
+              </a:rPr>
+              <a:t>	</a:t>
+            </a:r>
+            <a:r>
+              <a:rPr kumimoji="0" lang="en-US" altLang="en-US" sz="1400" b="1" i="0" u="none" strike="noStrike" cap="none" normalizeH="0" baseline="0" dirty="0" smtClean="0">
+                <a:ln>
+                  <a:noFill/>
+                </a:ln>
+                <a:solidFill>
                   <a:srgbClr val="00B050"/>
                 </a:solidFill>
                 <a:effectLst/>
@@ -9689,7 +9862,22 @@
                 <a:ea typeface="Verdana" panose="020B0604030504040204" pitchFamily="34" charset="0"/>
                 <a:cs typeface="Verdana" panose="020B0604030504040204" pitchFamily="34" charset="0"/>
               </a:rPr>
-              <a:t># import the </a:t>
+              <a:t># </a:t>
+            </a:r>
+            <a:r>
+              <a:rPr kumimoji="0" lang="en-US" altLang="en-US" sz="1400" b="1" i="0" u="none" strike="noStrike" cap="none" normalizeH="0" baseline="0" dirty="0" smtClean="0">
+                <a:ln>
+                  <a:noFill/>
+                </a:ln>
+                <a:solidFill>
+                  <a:srgbClr val="00B050"/>
+                </a:solidFill>
+                <a:effectLst/>
+                <a:latin typeface="Verdana" panose="020B0604030504040204" pitchFamily="34" charset="0"/>
+                <a:ea typeface="Verdana" panose="020B0604030504040204" pitchFamily="34" charset="0"/>
+                <a:cs typeface="Verdana" panose="020B0604030504040204" pitchFamily="34" charset="0"/>
+              </a:rPr>
+              <a:t>import the </a:t>
             </a:r>
             <a:r>
               <a:rPr kumimoji="0" lang="en-US" altLang="en-US" sz="1400" b="1" i="0" u="none" strike="noStrike" cap="none" normalizeH="0" baseline="0" dirty="0" err="1" smtClean="0">
@@ -9858,7 +10046,58 @@
                 <a:ea typeface="Verdana" panose="020B0604030504040204" pitchFamily="34" charset="0"/>
                 <a:cs typeface="Verdana" panose="020B0604030504040204" pitchFamily="34" charset="0"/>
               </a:rPr>
-              <a:t> )	</a:t>
+              <a:t>,</a:t>
+            </a:r>
+            <a:r>
+              <a:rPr kumimoji="0" lang="en-US" altLang="en-US" sz="1400" b="1" i="0" u="none" strike="noStrike" cap="none" normalizeH="0" dirty="0" smtClean="0">
+                <a:ln>
+                  <a:noFill/>
+                </a:ln>
+                <a:solidFill>
+                  <a:schemeClr val="accent5">
+                    <a:lumMod val="50000"/>
+                  </a:schemeClr>
+                </a:solidFill>
+                <a:effectLst/>
+                <a:latin typeface="Verdana" panose="020B0604030504040204" pitchFamily="34" charset="0"/>
+                <a:ea typeface="Verdana" panose="020B0604030504040204" pitchFamily="34" charset="0"/>
+                <a:cs typeface="Verdana" panose="020B0604030504040204" pitchFamily="34" charset="0"/>
+              </a:rPr>
+              <a:t> shape=[2]</a:t>
+            </a:r>
+            <a:r>
+              <a:rPr kumimoji="0" lang="en-US" altLang="en-US" sz="1400" b="1" i="0" u="none" strike="noStrike" cap="none" normalizeH="0" baseline="0" dirty="0" smtClean="0">
+                <a:ln>
+                  <a:noFill/>
+                </a:ln>
+                <a:solidFill>
+                  <a:schemeClr val="accent5">
+                    <a:lumMod val="50000"/>
+                  </a:schemeClr>
+                </a:solidFill>
+                <a:effectLst/>
+                <a:latin typeface="Verdana" panose="020B0604030504040204" pitchFamily="34" charset="0"/>
+                <a:ea typeface="Verdana" panose="020B0604030504040204" pitchFamily="34" charset="0"/>
+                <a:cs typeface="Verdana" panose="020B0604030504040204" pitchFamily="34" charset="0"/>
+              </a:rPr>
+              <a:t> </a:t>
+            </a:r>
+            <a:r>
+              <a:rPr kumimoji="0" lang="en-US" altLang="en-US" sz="1400" b="1" i="0" u="none" strike="noStrike" cap="none" normalizeH="0" baseline="0" dirty="0" smtClean="0">
+                <a:ln>
+                  <a:noFill/>
+                </a:ln>
+                <a:solidFill>
+                  <a:schemeClr val="accent5">
+                    <a:lumMod val="50000"/>
+                  </a:schemeClr>
+                </a:solidFill>
+                <a:effectLst/>
+                <a:latin typeface="Verdana" panose="020B0604030504040204" pitchFamily="34" charset="0"/>
+                <a:ea typeface="Verdana" panose="020B0604030504040204" pitchFamily="34" charset="0"/>
+                <a:cs typeface="Verdana" panose="020B0604030504040204" pitchFamily="34" charset="0"/>
+              </a:rPr>
+              <a:t>)	</a:t>
             </a:r>
             <a:r>
               <a:rPr kumimoji="0" lang="en-US" altLang="en-US" sz="1400" b="1" i="0" u="none" strike="noStrike" cap="none" normalizeH="0" baseline="0" dirty="0" smtClean="0">
@@ -9956,7 +10195,20 @@
                 <a:ea typeface="Verdana" panose="020B0604030504040204" pitchFamily="34" charset="0"/>
                 <a:cs typeface="Verdana" panose="020B0604030504040204" pitchFamily="34" charset="0"/>
               </a:rPr>
-              <a:t> )</a:t>
+              <a:t>, shape=[2] </a:t>
+            </a:r>
+            <a:r>
+              <a:rPr lang="en-US" altLang="en-US" sz="1400" b="1" dirty="0" smtClean="0">
+                <a:solidFill>
+                  <a:schemeClr val="accent5">
+                    <a:lumMod val="50000"/>
+                  </a:schemeClr>
+                </a:solidFill>
+                <a:latin typeface="Verdana" panose="020B0604030504040204" pitchFamily="34" charset="0"/>
+                <a:ea typeface="Verdana" panose="020B0604030504040204" pitchFamily="34" charset="0"/>
+                <a:cs typeface="Verdana" panose="020B0604030504040204" pitchFamily="34" charset="0"/>
+              </a:rPr>
+              <a:t>)</a:t>
             </a:r>
             <a:endParaRPr kumimoji="0" lang="en-US" altLang="en-US" sz="1400" b="1" i="0" u="none" strike="noStrike" cap="none" normalizeH="0" baseline="0" dirty="0" smtClean="0">
               <a:ln>
@@ -10006,13 +10258,37 @@
             <a:r>
               <a:rPr lang="en-US" altLang="en-US" sz="1400" b="1" dirty="0" smtClean="0">
                 <a:solidFill>
+                  <a:schemeClr val="accent5">
+                    <a:lumMod val="50000"/>
+                  </a:schemeClr>
+                </a:solidFill>
+                <a:latin typeface="Verdana" panose="020B0604030504040204" pitchFamily="34" charset="0"/>
+                <a:ea typeface="Verdana" panose="020B0604030504040204" pitchFamily="34" charset="0"/>
+                <a:cs typeface="Verdana" panose="020B0604030504040204" pitchFamily="34" charset="0"/>
+              </a:rPr>
+              <a:t>	</a:t>
+            </a:r>
+            <a:r>
+              <a:rPr lang="en-US" altLang="en-US" sz="1400" b="1" dirty="0" smtClean="0">
+                <a:solidFill>
                   <a:srgbClr val="00B050"/>
                 </a:solidFill>
                 <a:latin typeface="Verdana" panose="020B0604030504040204" pitchFamily="34" charset="0"/>
                 <a:ea typeface="Verdana" panose="020B0604030504040204" pitchFamily="34" charset="0"/>
                 <a:cs typeface="Verdana" panose="020B0604030504040204" pitchFamily="34" charset="0"/>
               </a:rPr>
-              <a:t># add inputs x1 and x2</a:t>
+              <a:t># </a:t>
+            </a:r>
+            <a:r>
+              <a:rPr lang="en-US" altLang="en-US" sz="1400" b="1" dirty="0" smtClean="0">
+                <a:solidFill>
+                  <a:srgbClr val="00B050"/>
+                </a:solidFill>
+                <a:latin typeface="Verdana" panose="020B0604030504040204" pitchFamily="34" charset="0"/>
+                <a:ea typeface="Verdana" panose="020B0604030504040204" pitchFamily="34" charset="0"/>
+                <a:cs typeface="Verdana" panose="020B0604030504040204" pitchFamily="34" charset="0"/>
+              </a:rPr>
+              <a:t>add inputs x1 and x2</a:t>
             </a:r>
           </a:p>
           <a:p>
@@ -10049,6 +10325,19 @@
                 <a:cs typeface="Verdana" panose="020B0604030504040204" pitchFamily="34" charset="0"/>
               </a:rPr>
               <a:t>x3 * 3.0 			</a:t>
+            </a:r>
+            <a:r>
+              <a:rPr lang="en-US" altLang="en-US" sz="1400" b="1" dirty="0" smtClean="0">
+                <a:solidFill>
+                  <a:schemeClr val="accent5">
+                    <a:lumMod val="50000"/>
+                  </a:schemeClr>
+                </a:solidFill>
+                <a:latin typeface="Verdana" panose="020B0604030504040204" pitchFamily="34" charset="0"/>
+                <a:ea typeface="Verdana" panose="020B0604030504040204" pitchFamily="34" charset="0"/>
+                <a:cs typeface="Verdana" panose="020B0604030504040204" pitchFamily="34" charset="0"/>
+              </a:rPr>
+              <a:t>	</a:t>
             </a:r>
             <a:r>
               <a:rPr lang="en-US" altLang="en-US" sz="1400" b="1" dirty="0" smtClean="0">
@@ -11421,7 +11710,20 @@
                 <a:ea typeface="Verdana" panose="020B0604030504040204" pitchFamily="34" charset="0"/>
                 <a:cs typeface="Verdana" panose="020B0604030504040204" pitchFamily="34" charset="0"/>
               </a:rPr>
-              <a:t> ) 		</a:t>
+              <a:t>, shape=[4] </a:t>
+            </a:r>
+            <a:r>
+              <a:rPr lang="en-US" altLang="en-US" sz="1400" b="1" dirty="0" smtClean="0">
+                <a:solidFill>
+                  <a:schemeClr val="accent5">
+                    <a:lumMod val="50000"/>
+                  </a:schemeClr>
+                </a:solidFill>
+                <a:latin typeface="Verdana" panose="020B0604030504040204" pitchFamily="34" charset="0"/>
+                <a:ea typeface="Verdana" panose="020B0604030504040204" pitchFamily="34" charset="0"/>
+                <a:cs typeface="Verdana" panose="020B0604030504040204" pitchFamily="34" charset="0"/>
+              </a:rPr>
+              <a:t>) 		</a:t>
             </a:r>
           </a:p>
           <a:p>
@@ -16774,7 +17076,7 @@
         <p:spPr>
           <a:xfrm>
             <a:off x="215900" y="3135868"/>
-            <a:ext cx="9037346" cy="1077218"/>
+            <a:ext cx="8747203" cy="1077218"/>
           </a:xfrm>
           <a:prstGeom prst="rect">
             <a:avLst/>
@@ -16818,7 +17120,27 @@
                   </a:schemeClr>
                 </a:solidFill>
               </a:rPr>
-              <a:t>values [columns] for a samples [rows] in a dataset.</a:t>
+              <a:t>values [columns] </a:t>
+            </a:r>
+            <a:r>
+              <a:rPr lang="en-US" sz="3200" dirty="0" smtClean="0">
+                <a:solidFill>
+                  <a:schemeClr val="accent6">
+                    <a:lumMod val="75000"/>
+                  </a:schemeClr>
+                </a:solidFill>
+              </a:rPr>
+              <a:t>for samples </a:t>
+            </a:r>
+            <a:r>
+              <a:rPr lang="en-US" sz="3200" dirty="0" smtClean="0">
+                <a:solidFill>
+                  <a:schemeClr val="accent6">
+                    <a:lumMod val="75000"/>
+                  </a:schemeClr>
+                </a:solidFill>
+              </a:rPr>
+              <a:t>[rows] in a dataset.</a:t>
             </a:r>
             <a:endParaRPr lang="en-US" sz="3200" dirty="0">
               <a:solidFill>
@@ -20275,7 +20597,15 @@
           <a:p>
             <a:r>
               <a:rPr lang="en-US" sz="1600" dirty="0" smtClean="0"/>
-              <a:t>By default, values as </a:t>
+              <a:t>By default, values </a:t>
+            </a:r>
+            <a:r>
+              <a:rPr lang="en-US" sz="1600" dirty="0" smtClean="0"/>
+              <a:t>are </a:t>
+            </a:r>
+            <a:r>
+              <a:rPr lang="en-US" sz="1600" dirty="0" smtClean="0"/>
+              <a:t/>
             </a:r>
             <a:br>
               <a:rPr lang="en-US" sz="1600" dirty="0" smtClean="0"/>

--- a/Presentations/ML Tensorflow Intro.pptx
+++ b/Presentations/ML Tensorflow Intro.pptx
@@ -307,7 +307,7 @@
             <a:fld id="{1D8BD707-D9CF-40AE-B4C6-C98DA3205C09}" type="datetimeFigureOut">
               <a:rPr lang="en-US" smtClean="0"/>
               <a:pPr/>
-              <a:t>7/24/2017</a:t>
+              <a:t>11/11/2017</a:t>
             </a:fld>
             <a:endParaRPr lang="en-US"/>
           </a:p>
@@ -474,7 +474,7 @@
             <a:fld id="{1D8BD707-D9CF-40AE-B4C6-C98DA3205C09}" type="datetimeFigureOut">
               <a:rPr lang="en-US" smtClean="0"/>
               <a:pPr/>
-              <a:t>7/24/2017</a:t>
+              <a:t>11/11/2017</a:t>
             </a:fld>
             <a:endParaRPr lang="en-US"/>
           </a:p>
@@ -651,7 +651,7 @@
             <a:fld id="{1D8BD707-D9CF-40AE-B4C6-C98DA3205C09}" type="datetimeFigureOut">
               <a:rPr lang="en-US" smtClean="0"/>
               <a:pPr/>
-              <a:t>7/24/2017</a:t>
+              <a:t>11/11/2017</a:t>
             </a:fld>
             <a:endParaRPr lang="en-US"/>
           </a:p>
@@ -818,7 +818,7 @@
             <a:fld id="{1D8BD707-D9CF-40AE-B4C6-C98DA3205C09}" type="datetimeFigureOut">
               <a:rPr lang="en-US" smtClean="0"/>
               <a:pPr/>
-              <a:t>7/24/2017</a:t>
+              <a:t>11/11/2017</a:t>
             </a:fld>
             <a:endParaRPr lang="en-US"/>
           </a:p>
@@ -1061,7 +1061,7 @@
             <a:fld id="{1D8BD707-D9CF-40AE-B4C6-C98DA3205C09}" type="datetimeFigureOut">
               <a:rPr lang="en-US" smtClean="0"/>
               <a:pPr/>
-              <a:t>7/24/2017</a:t>
+              <a:t>11/11/2017</a:t>
             </a:fld>
             <a:endParaRPr lang="en-US"/>
           </a:p>
@@ -1346,7 +1346,7 @@
             <a:fld id="{1D8BD707-D9CF-40AE-B4C6-C98DA3205C09}" type="datetimeFigureOut">
               <a:rPr lang="en-US" smtClean="0"/>
               <a:pPr/>
-              <a:t>7/24/2017</a:t>
+              <a:t>11/11/2017</a:t>
             </a:fld>
             <a:endParaRPr lang="en-US"/>
           </a:p>
@@ -1765,7 +1765,7 @@
             <a:fld id="{1D8BD707-D9CF-40AE-B4C6-C98DA3205C09}" type="datetimeFigureOut">
               <a:rPr lang="en-US" smtClean="0"/>
               <a:pPr/>
-              <a:t>7/24/2017</a:t>
+              <a:t>11/11/2017</a:t>
             </a:fld>
             <a:endParaRPr lang="en-US"/>
           </a:p>
@@ -1880,7 +1880,7 @@
             <a:fld id="{1D8BD707-D9CF-40AE-B4C6-C98DA3205C09}" type="datetimeFigureOut">
               <a:rPr lang="en-US" smtClean="0"/>
               <a:pPr/>
-              <a:t>7/24/2017</a:t>
+              <a:t>11/11/2017</a:t>
             </a:fld>
             <a:endParaRPr lang="en-US"/>
           </a:p>
@@ -1972,7 +1972,7 @@
             <a:fld id="{1D8BD707-D9CF-40AE-B4C6-C98DA3205C09}" type="datetimeFigureOut">
               <a:rPr lang="en-US" smtClean="0"/>
               <a:pPr/>
-              <a:t>7/24/2017</a:t>
+              <a:t>11/11/2017</a:t>
             </a:fld>
             <a:endParaRPr lang="en-US"/>
           </a:p>
@@ -2246,7 +2246,7 @@
             <a:fld id="{1D8BD707-D9CF-40AE-B4C6-C98DA3205C09}" type="datetimeFigureOut">
               <a:rPr lang="en-US" smtClean="0"/>
               <a:pPr/>
-              <a:t>7/24/2017</a:t>
+              <a:t>11/11/2017</a:t>
             </a:fld>
             <a:endParaRPr lang="en-US"/>
           </a:p>
@@ -2496,7 +2496,7 @@
             <a:fld id="{1D8BD707-D9CF-40AE-B4C6-C98DA3205C09}" type="datetimeFigureOut">
               <a:rPr lang="en-US" smtClean="0"/>
               <a:pPr/>
-              <a:t>7/24/2017</a:t>
+              <a:t>11/11/2017</a:t>
             </a:fld>
             <a:endParaRPr lang="en-US"/>
           </a:p>
@@ -2706,7 +2706,7 @@
             <a:fld id="{1D8BD707-D9CF-40AE-B4C6-C98DA3205C09}" type="datetimeFigureOut">
               <a:rPr lang="en-US" smtClean="0"/>
               <a:pPr/>
-              <a:t>7/24/2017</a:t>
+              <a:t>11/11/2017</a:t>
             </a:fld>
             <a:endParaRPr lang="en-US"/>
           </a:p>
@@ -3138,7 +3138,17 @@
                   </a:schemeClr>
                 </a:solidFill>
               </a:rPr>
-              <a:t>Portland Data Science Group</a:t>
+              <a:t>Artificial Intelligence Training</a:t>
+            </a:r>
+            <a:r>
+              <a:rPr lang="en-US" sz="2400" dirty="0" smtClean="0">
+                <a:solidFill>
+                  <a:schemeClr val="accent1">
+                    <a:lumMod val="75000"/>
+                  </a:schemeClr>
+                </a:solidFill>
+              </a:rPr>
+              <a:t/>
             </a:r>
             <a:br>
               <a:rPr lang="en-US" sz="2400" dirty="0" smtClean="0">
@@ -3150,7 +3160,7 @@
               </a:rPr>
             </a:br>
             <a:r>
-              <a:rPr lang="en-US" sz="2400" smtClean="0">
+              <a:rPr lang="en-US" sz="2400" dirty="0" smtClean="0">
                 <a:solidFill>
                   <a:schemeClr val="accent1">
                     <a:lumMod val="75000"/>
@@ -3170,7 +3180,7 @@
               <a:t>Ferlitsch</a:t>
             </a:r>
             <a:r>
-              <a:rPr lang="en-US" sz="2400" dirty="0" smtClean="0">
+              <a:rPr lang="en-US" sz="2400" smtClean="0">
                 <a:solidFill>
                   <a:schemeClr val="accent1">
                     <a:lumMod val="75000"/>
@@ -3180,7 +3190,7 @@
               <a:t/>
             </a:r>
             <a:br>
-              <a:rPr lang="en-US" sz="2400" dirty="0" smtClean="0">
+              <a:rPr lang="en-US" sz="2400" smtClean="0">
                 <a:solidFill>
                   <a:schemeClr val="accent1">
                     <a:lumMod val="75000"/>
@@ -3189,15 +3199,22 @@
               </a:rPr>
             </a:br>
             <a:r>
-              <a:rPr lang="en-US" sz="2400" dirty="0" smtClean="0">
+              <a:rPr lang="en-US" sz="2400" smtClean="0">
                 <a:solidFill>
                   <a:schemeClr val="accent1">
                     <a:lumMod val="75000"/>
                   </a:schemeClr>
                 </a:solidFill>
               </a:rPr>
-              <a:t>Community Outreach </a:t>
-            </a:r>
+              <a:t>Instructor</a:t>
+            </a:r>
+            <a:endParaRPr lang="en-US" sz="2400" dirty="0" smtClean="0">
+              <a:solidFill>
+                <a:schemeClr val="accent1">
+                  <a:lumMod val="75000"/>
+                </a:schemeClr>
+              </a:solidFill>
+            </a:endParaRPr>
           </a:p>
           <a:p>
             <a:r>
@@ -4423,13 +4440,8 @@
           <a:p>
             <a:r>
               <a:rPr lang="en-US" sz="1600" dirty="0" smtClean="0"/>
-              <a:t>and applies the tensor add operation. Since these are </a:t>
-            </a:r>
-            <a:r>
-              <a:rPr lang="en-US" sz="1600" dirty="0" smtClean="0"/>
-              <a:t>scalar</a:t>
-            </a:r>
-            <a:endParaRPr lang="en-US" sz="1600" dirty="0" smtClean="0"/>
+              <a:t>and applies the tensor add operation. Since these are scalar</a:t>
+            </a:r>
           </a:p>
           <a:p>
             <a:r>
@@ -4772,22 +4784,7 @@
                 <a:ea typeface="Verdana" panose="020B0604030504040204" pitchFamily="34" charset="0"/>
                 <a:cs typeface="Verdana" panose="020B0604030504040204" pitchFamily="34" charset="0"/>
               </a:rPr>
-              <a:t># </a:t>
-            </a:r>
-            <a:r>
-              <a:rPr kumimoji="0" lang="en-US" altLang="en-US" sz="1400" b="1" i="0" u="none" strike="noStrike" cap="none" normalizeH="0" baseline="0" dirty="0" smtClean="0">
-                <a:ln>
-                  <a:noFill/>
-                </a:ln>
-                <a:solidFill>
-                  <a:srgbClr val="00B050"/>
-                </a:solidFill>
-                <a:effectLst/>
-                <a:latin typeface="Verdana" panose="020B0604030504040204" pitchFamily="34" charset="0"/>
-                <a:ea typeface="Verdana" panose="020B0604030504040204" pitchFamily="34" charset="0"/>
-                <a:cs typeface="Verdana" panose="020B0604030504040204" pitchFamily="34" charset="0"/>
-              </a:rPr>
-              <a:t>import the </a:t>
+              <a:t># import the </a:t>
             </a:r>
             <a:r>
               <a:rPr kumimoji="0" lang="en-US" altLang="en-US" sz="1400" b="1" i="0" u="none" strike="noStrike" cap="none" normalizeH="0" baseline="0" dirty="0" err="1" smtClean="0">
@@ -4956,24 +4953,7 @@
                 <a:ea typeface="Verdana" panose="020B0604030504040204" pitchFamily="34" charset="0"/>
                 <a:cs typeface="Verdana" panose="020B0604030504040204" pitchFamily="34" charset="0"/>
               </a:rPr>
-              <a:t> )</a:t>
-            </a:r>
-            <a:r>
-              <a:rPr kumimoji="0" lang="en-US" altLang="en-US" sz="1400" b="1" i="0" u="none" strike="noStrike" cap="none" normalizeH="0" baseline="0" dirty="0" smtClean="0">
-                <a:ln>
-                  <a:noFill/>
-                </a:ln>
-                <a:solidFill>
-                  <a:schemeClr val="accent5">
-                    <a:lumMod val="50000"/>
-                  </a:schemeClr>
-                </a:solidFill>
-                <a:effectLst/>
-                <a:latin typeface="Verdana" panose="020B0604030504040204" pitchFamily="34" charset="0"/>
-                <a:ea typeface="Verdana" panose="020B0604030504040204" pitchFamily="34" charset="0"/>
-                <a:cs typeface="Verdana" panose="020B0604030504040204" pitchFamily="34" charset="0"/>
-              </a:rPr>
-              <a:t>	</a:t>
+              <a:t> )	</a:t>
             </a:r>
             <a:r>
               <a:rPr kumimoji="0" lang="en-US" altLang="en-US" sz="1400" b="1" i="0" u="none" strike="noStrike" cap="none" normalizeH="0" baseline="0" dirty="0" smtClean="0">
@@ -5071,20 +5051,7 @@
                 <a:ea typeface="Verdana" panose="020B0604030504040204" pitchFamily="34" charset="0"/>
                 <a:cs typeface="Verdana" panose="020B0604030504040204" pitchFamily="34" charset="0"/>
               </a:rPr>
-              <a:t> </a:t>
-            </a:r>
-            <a:r>
-              <a:rPr lang="en-US" altLang="en-US" sz="1400" b="1" dirty="0" smtClean="0">
-                <a:solidFill>
-                  <a:schemeClr val="accent5">
-                    <a:lumMod val="50000"/>
-                  </a:schemeClr>
-                </a:solidFill>
-                <a:latin typeface="Verdana" panose="020B0604030504040204" pitchFamily="34" charset="0"/>
-                <a:ea typeface="Verdana" panose="020B0604030504040204" pitchFamily="34" charset="0"/>
-                <a:cs typeface="Verdana" panose="020B0604030504040204" pitchFamily="34" charset="0"/>
-              </a:rPr>
-              <a:t>)</a:t>
+              <a:t> )</a:t>
             </a:r>
             <a:endParaRPr kumimoji="0" lang="en-US" altLang="en-US" sz="1400" b="1" i="0" u="none" strike="noStrike" cap="none" normalizeH="0" baseline="0" dirty="0" smtClean="0">
               <a:ln>
@@ -5166,18 +5133,7 @@
                 <a:ea typeface="Verdana" panose="020B0604030504040204" pitchFamily="34" charset="0"/>
                 <a:cs typeface="Verdana" panose="020B0604030504040204" pitchFamily="34" charset="0"/>
               </a:rPr>
-              <a:t># </a:t>
-            </a:r>
-            <a:r>
-              <a:rPr lang="en-US" altLang="en-US" sz="1400" b="1" dirty="0" smtClean="0">
-                <a:solidFill>
-                  <a:srgbClr val="00B050"/>
-                </a:solidFill>
-                <a:latin typeface="Verdana" panose="020B0604030504040204" pitchFamily="34" charset="0"/>
-                <a:ea typeface="Verdana" panose="020B0604030504040204" pitchFamily="34" charset="0"/>
-                <a:cs typeface="Verdana" panose="020B0604030504040204" pitchFamily="34" charset="0"/>
-              </a:rPr>
-              <a:t>add inputs x1 and x2</a:t>
+              <a:t># add inputs x1 and x2</a:t>
             </a:r>
             <a:endParaRPr kumimoji="0" lang="en-US" altLang="en-US" sz="1400" b="1" i="0" u="none" strike="noStrike" cap="none" normalizeH="0" baseline="0" dirty="0" smtClean="0">
               <a:ln>
@@ -5684,13 +5640,8 @@
           <a:p>
             <a:r>
               <a:rPr lang="en-US" sz="1600" dirty="0" smtClean="0"/>
-              <a:t>and applies the tensor add operation. Since these are </a:t>
-            </a:r>
-            <a:r>
-              <a:rPr lang="en-US" sz="1600" dirty="0" smtClean="0"/>
-              <a:t>scalar</a:t>
-            </a:r>
-            <a:endParaRPr lang="en-US" sz="1600" dirty="0" smtClean="0"/>
+              <a:t>and applies the tensor add operation. Since these are scalar</a:t>
+            </a:r>
           </a:p>
           <a:p>
             <a:r>
@@ -6084,7 +6035,7 @@
                 <a:ea typeface="Verdana" panose="020B0604030504040204" pitchFamily="34" charset="0"/>
                 <a:cs typeface="Verdana" panose="020B0604030504040204" pitchFamily="34" charset="0"/>
               </a:rPr>
-              <a:t>		</a:t>
+              <a:t>			</a:t>
             </a:r>
             <a:r>
               <a:rPr kumimoji="0" lang="en-US" altLang="en-US" sz="1400" b="1" i="0" u="none" strike="noStrike" cap="none" normalizeH="0" baseline="0" dirty="0" smtClean="0">
@@ -6092,46 +6043,14 @@
                   <a:noFill/>
                 </a:ln>
                 <a:solidFill>
-                  <a:schemeClr val="accent5">
-                    <a:lumMod val="50000"/>
-                  </a:schemeClr>
+                  <a:srgbClr val="00B050"/>
                 </a:solidFill>
                 <a:effectLst/>
                 <a:latin typeface="Verdana" panose="020B0604030504040204" pitchFamily="34" charset="0"/>
                 <a:ea typeface="Verdana" panose="020B0604030504040204" pitchFamily="34" charset="0"/>
                 <a:cs typeface="Verdana" panose="020B0604030504040204" pitchFamily="34" charset="0"/>
               </a:rPr>
-              <a:t>	</a:t>
-            </a:r>
-            <a:r>
-              <a:rPr kumimoji="0" lang="en-US" altLang="en-US" sz="1400" b="1" i="0" u="none" strike="noStrike" cap="none" normalizeH="0" baseline="0" dirty="0" smtClean="0">
-                <a:ln>
-                  <a:noFill/>
-                </a:ln>
-                <a:solidFill>
-                  <a:srgbClr val="00B050"/>
-                </a:solidFill>
-                <a:effectLst/>
-                <a:latin typeface="Verdana" panose="020B0604030504040204" pitchFamily="34" charset="0"/>
-                <a:ea typeface="Verdana" panose="020B0604030504040204" pitchFamily="34" charset="0"/>
-                <a:cs typeface="Verdana" panose="020B0604030504040204" pitchFamily="34" charset="0"/>
-              </a:rPr>
-              <a:t># </a:t>
-            </a:r>
-            <a:r>
-              <a:rPr kumimoji="0" lang="en-US" altLang="en-US" sz="1400" b="1" i="0" u="none" strike="noStrike" cap="none" normalizeH="0" baseline="0" dirty="0" smtClean="0">
-                <a:ln>
-                  <a:noFill/>
-                </a:ln>
-                <a:solidFill>
-                  <a:srgbClr val="00B050"/>
-                </a:solidFill>
-                <a:effectLst/>
-                <a:latin typeface="Verdana" panose="020B0604030504040204" pitchFamily="34" charset="0"/>
-                <a:ea typeface="Verdana" panose="020B0604030504040204" pitchFamily="34" charset="0"/>
-                <a:cs typeface="Verdana" panose="020B0604030504040204" pitchFamily="34" charset="0"/>
-              </a:rPr>
-              <a:t>import the </a:t>
+              <a:t># import the </a:t>
             </a:r>
             <a:r>
               <a:rPr kumimoji="0" lang="en-US" altLang="en-US" sz="1400" b="1" i="0" u="none" strike="noStrike" cap="none" normalizeH="0" baseline="0" dirty="0" err="1" smtClean="0">
@@ -6300,24 +6219,7 @@
                 <a:ea typeface="Verdana" panose="020B0604030504040204" pitchFamily="34" charset="0"/>
                 <a:cs typeface="Verdana" panose="020B0604030504040204" pitchFamily="34" charset="0"/>
               </a:rPr>
-              <a:t>, shape=[2] )</a:t>
-            </a:r>
-            <a:r>
-              <a:rPr kumimoji="0" lang="en-US" altLang="en-US" sz="1400" b="1" i="0" u="none" strike="noStrike" cap="none" normalizeH="0" baseline="0" dirty="0" smtClean="0">
-                <a:ln>
-                  <a:noFill/>
-                </a:ln>
-                <a:solidFill>
-                  <a:schemeClr val="accent5">
-                    <a:lumMod val="50000"/>
-                  </a:schemeClr>
-                </a:solidFill>
-                <a:effectLst/>
-                <a:latin typeface="Verdana" panose="020B0604030504040204" pitchFamily="34" charset="0"/>
-                <a:ea typeface="Verdana" panose="020B0604030504040204" pitchFamily="34" charset="0"/>
-                <a:cs typeface="Verdana" panose="020B0604030504040204" pitchFamily="34" charset="0"/>
-              </a:rPr>
-              <a:t>	</a:t>
+              <a:t>, shape=[2] )	</a:t>
             </a:r>
             <a:r>
               <a:rPr kumimoji="0" lang="en-US" altLang="en-US" sz="1400" b="1" i="0" u="none" strike="noStrike" cap="none" normalizeH="0" baseline="0" dirty="0" smtClean="0">
@@ -6415,20 +6317,7 @@
                 <a:ea typeface="Verdana" panose="020B0604030504040204" pitchFamily="34" charset="0"/>
                 <a:cs typeface="Verdana" panose="020B0604030504040204" pitchFamily="34" charset="0"/>
               </a:rPr>
-              <a:t>, shape=[2] </a:t>
-            </a:r>
-            <a:r>
-              <a:rPr lang="en-US" altLang="en-US" sz="1400" b="1" dirty="0" smtClean="0">
-                <a:solidFill>
-                  <a:schemeClr val="accent5">
-                    <a:lumMod val="50000"/>
-                  </a:schemeClr>
-                </a:solidFill>
-                <a:latin typeface="Verdana" panose="020B0604030504040204" pitchFamily="34" charset="0"/>
-                <a:ea typeface="Verdana" panose="020B0604030504040204" pitchFamily="34" charset="0"/>
-                <a:cs typeface="Verdana" panose="020B0604030504040204" pitchFamily="34" charset="0"/>
-              </a:rPr>
-              <a:t>)</a:t>
+              <a:t>, shape=[2] )</a:t>
             </a:r>
             <a:endParaRPr kumimoji="0" lang="en-US" altLang="en-US" sz="1400" b="1" i="0" u="none" strike="noStrike" cap="none" normalizeH="0" baseline="0" dirty="0" smtClean="0">
               <a:ln>
@@ -6499,42 +6388,18 @@
                 <a:ea typeface="Verdana" panose="020B0604030504040204" pitchFamily="34" charset="0"/>
                 <a:cs typeface="Verdana" panose="020B0604030504040204" pitchFamily="34" charset="0"/>
               </a:rPr>
-              <a:t>( x1, x2 )		</a:t>
+              <a:t>( x1, x2 )			</a:t>
             </a:r>
             <a:r>
               <a:rPr lang="en-US" altLang="en-US" sz="1400" b="1" dirty="0" smtClean="0">
                 <a:solidFill>
-                  <a:schemeClr val="accent5">
-                    <a:lumMod val="50000"/>
-                  </a:schemeClr>
-                </a:solidFill>
-                <a:latin typeface="Verdana" panose="020B0604030504040204" pitchFamily="34" charset="0"/>
-                <a:ea typeface="Verdana" panose="020B0604030504040204" pitchFamily="34" charset="0"/>
-                <a:cs typeface="Verdana" panose="020B0604030504040204" pitchFamily="34" charset="0"/>
-              </a:rPr>
-              <a:t>	</a:t>
-            </a:r>
-            <a:r>
-              <a:rPr lang="en-US" altLang="en-US" sz="1400" b="1" dirty="0" smtClean="0">
-                <a:solidFill>
                   <a:srgbClr val="00B050"/>
                 </a:solidFill>
                 <a:latin typeface="Verdana" panose="020B0604030504040204" pitchFamily="34" charset="0"/>
                 <a:ea typeface="Verdana" panose="020B0604030504040204" pitchFamily="34" charset="0"/>
                 <a:cs typeface="Verdana" panose="020B0604030504040204" pitchFamily="34" charset="0"/>
               </a:rPr>
-              <a:t># </a:t>
-            </a:r>
-            <a:r>
-              <a:rPr lang="en-US" altLang="en-US" sz="1400" b="1" dirty="0" smtClean="0">
-                <a:solidFill>
-                  <a:srgbClr val="00B050"/>
-                </a:solidFill>
-                <a:latin typeface="Verdana" panose="020B0604030504040204" pitchFamily="34" charset="0"/>
-                <a:ea typeface="Verdana" panose="020B0604030504040204" pitchFamily="34" charset="0"/>
-                <a:cs typeface="Verdana" panose="020B0604030504040204" pitchFamily="34" charset="0"/>
-              </a:rPr>
-              <a:t>add inputs x1 and x2</a:t>
+              <a:t># add inputs x1 and x2</a:t>
             </a:r>
             <a:endParaRPr kumimoji="0" lang="en-US" altLang="en-US" sz="1400" b="1" i="0" u="none" strike="noStrike" cap="none" normalizeH="0" baseline="0" dirty="0" smtClean="0">
               <a:ln>
@@ -7772,11 +7637,7 @@
           <a:p>
             <a:r>
               <a:rPr lang="en-US" sz="1600" dirty="0" smtClean="0"/>
-              <a:t>product </a:t>
-            </a:r>
-            <a:r>
-              <a:rPr lang="en-US" sz="1600" dirty="0" smtClean="0"/>
-              <a:t>(weight) of the addition of</a:t>
+              <a:t>product (weight) of the addition of</a:t>
             </a:r>
           </a:p>
           <a:p>
@@ -9830,7 +9691,7 @@
                 <a:ea typeface="Verdana" panose="020B0604030504040204" pitchFamily="34" charset="0"/>
                 <a:cs typeface="Verdana" panose="020B0604030504040204" pitchFamily="34" charset="0"/>
               </a:rPr>
-              <a:t>		</a:t>
+              <a:t>			</a:t>
             </a:r>
             <a:r>
               <a:rPr kumimoji="0" lang="en-US" altLang="en-US" sz="1400" b="1" i="0" u="none" strike="noStrike" cap="none" normalizeH="0" baseline="0" dirty="0" smtClean="0">
@@ -9838,46 +9699,14 @@
                   <a:noFill/>
                 </a:ln>
                 <a:solidFill>
-                  <a:schemeClr val="accent5">
-                    <a:lumMod val="50000"/>
-                  </a:schemeClr>
+                  <a:srgbClr val="00B050"/>
                 </a:solidFill>
                 <a:effectLst/>
                 <a:latin typeface="Verdana" panose="020B0604030504040204" pitchFamily="34" charset="0"/>
                 <a:ea typeface="Verdana" panose="020B0604030504040204" pitchFamily="34" charset="0"/>
                 <a:cs typeface="Verdana" panose="020B0604030504040204" pitchFamily="34" charset="0"/>
               </a:rPr>
-              <a:t>	</a:t>
-            </a:r>
-            <a:r>
-              <a:rPr kumimoji="0" lang="en-US" altLang="en-US" sz="1400" b="1" i="0" u="none" strike="noStrike" cap="none" normalizeH="0" baseline="0" dirty="0" smtClean="0">
-                <a:ln>
-                  <a:noFill/>
-                </a:ln>
-                <a:solidFill>
-                  <a:srgbClr val="00B050"/>
-                </a:solidFill>
-                <a:effectLst/>
-                <a:latin typeface="Verdana" panose="020B0604030504040204" pitchFamily="34" charset="0"/>
-                <a:ea typeface="Verdana" panose="020B0604030504040204" pitchFamily="34" charset="0"/>
-                <a:cs typeface="Verdana" panose="020B0604030504040204" pitchFamily="34" charset="0"/>
-              </a:rPr>
-              <a:t># </a:t>
-            </a:r>
-            <a:r>
-              <a:rPr kumimoji="0" lang="en-US" altLang="en-US" sz="1400" b="1" i="0" u="none" strike="noStrike" cap="none" normalizeH="0" baseline="0" dirty="0" smtClean="0">
-                <a:ln>
-                  <a:noFill/>
-                </a:ln>
-                <a:solidFill>
-                  <a:srgbClr val="00B050"/>
-                </a:solidFill>
-                <a:effectLst/>
-                <a:latin typeface="Verdana" panose="020B0604030504040204" pitchFamily="34" charset="0"/>
-                <a:ea typeface="Verdana" panose="020B0604030504040204" pitchFamily="34" charset="0"/>
-                <a:cs typeface="Verdana" panose="020B0604030504040204" pitchFamily="34" charset="0"/>
-              </a:rPr>
-              <a:t>import the </a:t>
+              <a:t># import the </a:t>
             </a:r>
             <a:r>
               <a:rPr kumimoji="0" lang="en-US" altLang="en-US" sz="1400" b="1" i="0" u="none" strike="noStrike" cap="none" normalizeH="0" baseline="0" dirty="0" err="1" smtClean="0">
@@ -10080,24 +9909,7 @@
                 <a:ea typeface="Verdana" panose="020B0604030504040204" pitchFamily="34" charset="0"/>
                 <a:cs typeface="Verdana" panose="020B0604030504040204" pitchFamily="34" charset="0"/>
               </a:rPr>
-              <a:t> </a:t>
-            </a:r>
-            <a:r>
-              <a:rPr kumimoji="0" lang="en-US" altLang="en-US" sz="1400" b="1" i="0" u="none" strike="noStrike" cap="none" normalizeH="0" baseline="0" dirty="0" smtClean="0">
-                <a:ln>
-                  <a:noFill/>
-                </a:ln>
-                <a:solidFill>
-                  <a:schemeClr val="accent5">
-                    <a:lumMod val="50000"/>
-                  </a:schemeClr>
-                </a:solidFill>
-                <a:effectLst/>
-                <a:latin typeface="Verdana" panose="020B0604030504040204" pitchFamily="34" charset="0"/>
-                <a:ea typeface="Verdana" panose="020B0604030504040204" pitchFamily="34" charset="0"/>
-                <a:cs typeface="Verdana" panose="020B0604030504040204" pitchFamily="34" charset="0"/>
-              </a:rPr>
-              <a:t>)	</a:t>
+              <a:t> )	</a:t>
             </a:r>
             <a:r>
               <a:rPr kumimoji="0" lang="en-US" altLang="en-US" sz="1400" b="1" i="0" u="none" strike="noStrike" cap="none" normalizeH="0" baseline="0" dirty="0" smtClean="0">
@@ -10195,20 +10007,7 @@
                 <a:ea typeface="Verdana" panose="020B0604030504040204" pitchFamily="34" charset="0"/>
                 <a:cs typeface="Verdana" panose="020B0604030504040204" pitchFamily="34" charset="0"/>
               </a:rPr>
-              <a:t>, shape=[2] </a:t>
-            </a:r>
-            <a:r>
-              <a:rPr lang="en-US" altLang="en-US" sz="1400" b="1" dirty="0" smtClean="0">
-                <a:solidFill>
-                  <a:schemeClr val="accent5">
-                    <a:lumMod val="50000"/>
-                  </a:schemeClr>
-                </a:solidFill>
-                <a:latin typeface="Verdana" panose="020B0604030504040204" pitchFamily="34" charset="0"/>
-                <a:ea typeface="Verdana" panose="020B0604030504040204" pitchFamily="34" charset="0"/>
-                <a:cs typeface="Verdana" panose="020B0604030504040204" pitchFamily="34" charset="0"/>
-              </a:rPr>
-              <a:t>)</a:t>
+              <a:t>, shape=[2] )</a:t>
             </a:r>
             <a:endParaRPr kumimoji="0" lang="en-US" altLang="en-US" sz="1400" b="1" i="0" u="none" strike="noStrike" cap="none" normalizeH="0" baseline="0" dirty="0" smtClean="0">
               <a:ln>
@@ -10253,42 +10052,18 @@
                 <a:ea typeface="Verdana" panose="020B0604030504040204" pitchFamily="34" charset="0"/>
                 <a:cs typeface="Verdana" panose="020B0604030504040204" pitchFamily="34" charset="0"/>
               </a:rPr>
-              <a:t>x3 = x1 + x2 			</a:t>
+              <a:t>x3 = x1 + x2 				</a:t>
             </a:r>
             <a:r>
               <a:rPr lang="en-US" altLang="en-US" sz="1400" b="1" dirty="0" smtClean="0">
                 <a:solidFill>
-                  <a:schemeClr val="accent5">
-                    <a:lumMod val="50000"/>
-                  </a:schemeClr>
-                </a:solidFill>
-                <a:latin typeface="Verdana" panose="020B0604030504040204" pitchFamily="34" charset="0"/>
-                <a:ea typeface="Verdana" panose="020B0604030504040204" pitchFamily="34" charset="0"/>
-                <a:cs typeface="Verdana" panose="020B0604030504040204" pitchFamily="34" charset="0"/>
-              </a:rPr>
-              <a:t>	</a:t>
-            </a:r>
-            <a:r>
-              <a:rPr lang="en-US" altLang="en-US" sz="1400" b="1" dirty="0" smtClean="0">
-                <a:solidFill>
                   <a:srgbClr val="00B050"/>
                 </a:solidFill>
                 <a:latin typeface="Verdana" panose="020B0604030504040204" pitchFamily="34" charset="0"/>
                 <a:ea typeface="Verdana" panose="020B0604030504040204" pitchFamily="34" charset="0"/>
                 <a:cs typeface="Verdana" panose="020B0604030504040204" pitchFamily="34" charset="0"/>
               </a:rPr>
-              <a:t># </a:t>
-            </a:r>
-            <a:r>
-              <a:rPr lang="en-US" altLang="en-US" sz="1400" b="1" dirty="0" smtClean="0">
-                <a:solidFill>
-                  <a:srgbClr val="00B050"/>
-                </a:solidFill>
-                <a:latin typeface="Verdana" panose="020B0604030504040204" pitchFamily="34" charset="0"/>
-                <a:ea typeface="Verdana" panose="020B0604030504040204" pitchFamily="34" charset="0"/>
-                <a:cs typeface="Verdana" panose="020B0604030504040204" pitchFamily="34" charset="0"/>
-              </a:rPr>
-              <a:t>add inputs x1 and x2</a:t>
+              <a:t># add inputs x1 and x2</a:t>
             </a:r>
           </a:p>
           <a:p>
@@ -10324,20 +10099,7 @@
                 <a:ea typeface="Verdana" panose="020B0604030504040204" pitchFamily="34" charset="0"/>
                 <a:cs typeface="Verdana" panose="020B0604030504040204" pitchFamily="34" charset="0"/>
               </a:rPr>
-              <a:t>x3 * 3.0 			</a:t>
-            </a:r>
-            <a:r>
-              <a:rPr lang="en-US" altLang="en-US" sz="1400" b="1" dirty="0" smtClean="0">
-                <a:solidFill>
-                  <a:schemeClr val="accent5">
-                    <a:lumMod val="50000"/>
-                  </a:schemeClr>
-                </a:solidFill>
-                <a:latin typeface="Verdana" panose="020B0604030504040204" pitchFamily="34" charset="0"/>
-                <a:ea typeface="Verdana" panose="020B0604030504040204" pitchFamily="34" charset="0"/>
-                <a:cs typeface="Verdana" panose="020B0604030504040204" pitchFamily="34" charset="0"/>
-              </a:rPr>
-              <a:t>	</a:t>
+              <a:t>x3 * 3.0 				</a:t>
             </a:r>
             <a:r>
               <a:rPr lang="en-US" altLang="en-US" sz="1400" b="1" dirty="0" smtClean="0">
@@ -11710,20 +11472,7 @@
                 <a:ea typeface="Verdana" panose="020B0604030504040204" pitchFamily="34" charset="0"/>
                 <a:cs typeface="Verdana" panose="020B0604030504040204" pitchFamily="34" charset="0"/>
               </a:rPr>
-              <a:t>, shape=[4] </a:t>
-            </a:r>
-            <a:r>
-              <a:rPr lang="en-US" altLang="en-US" sz="1400" b="1" dirty="0" smtClean="0">
-                <a:solidFill>
-                  <a:schemeClr val="accent5">
-                    <a:lumMod val="50000"/>
-                  </a:schemeClr>
-                </a:solidFill>
-                <a:latin typeface="Verdana" panose="020B0604030504040204" pitchFamily="34" charset="0"/>
-                <a:ea typeface="Verdana" panose="020B0604030504040204" pitchFamily="34" charset="0"/>
-                <a:cs typeface="Verdana" panose="020B0604030504040204" pitchFamily="34" charset="0"/>
-              </a:rPr>
-              <a:t>) 		</a:t>
+              <a:t>, shape=[4] ) 		</a:t>
             </a:r>
           </a:p>
           <a:p>
@@ -17120,27 +16869,7 @@
                   </a:schemeClr>
                 </a:solidFill>
               </a:rPr>
-              <a:t>values [columns] </a:t>
-            </a:r>
-            <a:r>
-              <a:rPr lang="en-US" sz="3200" dirty="0" smtClean="0">
-                <a:solidFill>
-                  <a:schemeClr val="accent6">
-                    <a:lumMod val="75000"/>
-                  </a:schemeClr>
-                </a:solidFill>
-              </a:rPr>
-              <a:t>for samples </a:t>
-            </a:r>
-            <a:r>
-              <a:rPr lang="en-US" sz="3200" dirty="0" smtClean="0">
-                <a:solidFill>
-                  <a:schemeClr val="accent6">
-                    <a:lumMod val="75000"/>
-                  </a:schemeClr>
-                </a:solidFill>
-              </a:rPr>
-              <a:t>[rows] in a dataset.</a:t>
+              <a:t>values [columns] for samples [rows] in a dataset.</a:t>
             </a:r>
             <a:endParaRPr lang="en-US" sz="3200" dirty="0">
               <a:solidFill>
@@ -20597,15 +20326,7 @@
           <a:p>
             <a:r>
               <a:rPr lang="en-US" sz="1600" dirty="0" smtClean="0"/>
-              <a:t>By default, values </a:t>
-            </a:r>
-            <a:r>
-              <a:rPr lang="en-US" sz="1600" dirty="0" smtClean="0"/>
-              <a:t>are </a:t>
-            </a:r>
-            <a:r>
-              <a:rPr lang="en-US" sz="1600" dirty="0" smtClean="0"/>
-              <a:t/>
+              <a:t>By default, values are </a:t>
             </a:r>
             <a:br>
               <a:rPr lang="en-US" sz="1600" dirty="0" smtClean="0"/>
